--- a/Moritz/merged.pptx
+++ b/Moritz/merged.pptx
@@ -5,17 +5,23 @@
     <p:sldMasterId id="2147483660" r:id="rId1"/>
   </p:sldMasterIdLst>
   <p:notesMasterIdLst>
-    <p:notesMasterId r:id="rId10"/>
+    <p:notesMasterId r:id="rId16"/>
   </p:notesMasterIdLst>
   <p:sldIdLst>
     <p:sldId id="257" r:id="rId2"/>
     <p:sldId id="258" r:id="rId3"/>
     <p:sldId id="281" r:id="rId4"/>
     <p:sldId id="259" r:id="rId5"/>
-    <p:sldId id="282" r:id="rId6"/>
-    <p:sldId id="283" r:id="rId7"/>
-    <p:sldId id="285" r:id="rId8"/>
-    <p:sldId id="286" r:id="rId9"/>
+    <p:sldId id="289" r:id="rId6"/>
+    <p:sldId id="288" r:id="rId7"/>
+    <p:sldId id="282" r:id="rId8"/>
+    <p:sldId id="283" r:id="rId9"/>
+    <p:sldId id="285" r:id="rId10"/>
+    <p:sldId id="286" r:id="rId11"/>
+    <p:sldId id="292" r:id="rId12"/>
+    <p:sldId id="290" r:id="rId13"/>
+    <p:sldId id="291" r:id="rId14"/>
+    <p:sldId id="287" r:id="rId15"/>
   </p:sldIdLst>
   <p:sldSz cx="12192000" cy="6858000"/>
   <p:notesSz cx="6858000" cy="9144000"/>
@@ -4306,6 +4312,1167 @@
 </p:sld>
 </file>
 
+<file path=ppt/slides/slide10.xml><?xml version="1.0" encoding="utf-8"?>
+<p:sld xmlns:a="http://schemas.openxmlformats.org/drawingml/2006/main" xmlns:r="http://schemas.openxmlformats.org/officeDocument/2006/relationships" xmlns:p="http://schemas.openxmlformats.org/presentationml/2006/main">
+  <p:cSld>
+    <p:spTree>
+      <p:nvGrpSpPr>
+        <p:cNvPr id="1" name=""/>
+        <p:cNvGrpSpPr/>
+        <p:nvPr/>
+      </p:nvGrpSpPr>
+      <p:grpSpPr>
+        <a:xfrm>
+          <a:off x="0" y="0"/>
+          <a:ext cx="0" cy="0"/>
+          <a:chOff x="0" y="0"/>
+          <a:chExt cx="0" cy="0"/>
+        </a:xfrm>
+      </p:grpSpPr>
+      <p:sp>
+        <p:nvSpPr>
+          <p:cNvPr id="2" name="Title 1">
+            <a:extLst>
+              <a:ext uri="{FF2B5EF4-FFF2-40B4-BE49-F238E27FC236}">
+                <a16:creationId xmlns:a16="http://schemas.microsoft.com/office/drawing/2014/main" id="{4F828901-473D-4F55-B3D0-1DDC90FC313C}"/>
+              </a:ext>
+            </a:extLst>
+          </p:cNvPr>
+          <p:cNvSpPr>
+            <a:spLocks noGrp="1"/>
+          </p:cNvSpPr>
+          <p:nvPr>
+            <p:ph type="title"/>
+          </p:nvPr>
+        </p:nvSpPr>
+        <p:spPr/>
+        <p:txBody>
+          <a:bodyPr/>
+          <a:lstStyle/>
+          <a:p>
+            <a:r>
+              <a:rPr lang="en-NZ" dirty="0" err="1"/>
+              <a:t>Betriebssicherheit</a:t>
+            </a:r>
+            <a:r>
+              <a:rPr lang="en-NZ" dirty="0"/>
+              <a:t> I</a:t>
+            </a:r>
+          </a:p>
+        </p:txBody>
+      </p:sp>
+      <p:sp>
+        <p:nvSpPr>
+          <p:cNvPr id="3" name="Content Placeholder 2">
+            <a:extLst>
+              <a:ext uri="{FF2B5EF4-FFF2-40B4-BE49-F238E27FC236}">
+                <a16:creationId xmlns:a16="http://schemas.microsoft.com/office/drawing/2014/main" id="{DC7B49F1-50FA-4683-82E1-87A2FA356B2D}"/>
+              </a:ext>
+            </a:extLst>
+          </p:cNvPr>
+          <p:cNvSpPr>
+            <a:spLocks noGrp="1"/>
+          </p:cNvSpPr>
+          <p:nvPr>
+            <p:ph idx="1"/>
+          </p:nvPr>
+        </p:nvSpPr>
+        <p:spPr/>
+        <p:txBody>
+          <a:bodyPr>
+            <a:normAutofit fontScale="92500" lnSpcReduction="20000"/>
+          </a:bodyPr>
+          <a:lstStyle/>
+          <a:p>
+            <a:r>
+              <a:rPr lang="en-NZ" dirty="0" err="1"/>
+              <a:t>Festgelegte</a:t>
+            </a:r>
+            <a:r>
+              <a:rPr lang="en-NZ" dirty="0"/>
+              <a:t> </a:t>
+            </a:r>
+            <a:r>
+              <a:rPr lang="en-NZ" dirty="0" err="1"/>
+              <a:t>Dokumentationsverfahren</a:t>
+            </a:r>
+            <a:endParaRPr lang="en-NZ" dirty="0"/>
+          </a:p>
+          <a:p>
+            <a:pPr lvl="1"/>
+            <a:r>
+              <a:rPr lang="en-NZ" dirty="0" err="1"/>
+              <a:t>Instandhaltung</a:t>
+            </a:r>
+            <a:endParaRPr lang="en-NZ" dirty="0"/>
+          </a:p>
+          <a:p>
+            <a:r>
+              <a:rPr lang="en-NZ" dirty="0" err="1"/>
+              <a:t>Änderungsmanagement</a:t>
+            </a:r>
+            <a:endParaRPr lang="en-NZ" dirty="0"/>
+          </a:p>
+          <a:p>
+            <a:pPr lvl="1"/>
+            <a:r>
+              <a:rPr lang="en-NZ" dirty="0" err="1"/>
+              <a:t>Änderungen</a:t>
+            </a:r>
+            <a:r>
+              <a:rPr lang="en-NZ" dirty="0"/>
+              <a:t> </a:t>
+            </a:r>
+            <a:r>
+              <a:rPr lang="en-NZ" dirty="0" err="1"/>
+              <a:t>protokolliert</a:t>
+            </a:r>
+            <a:r>
+              <a:rPr lang="en-NZ" dirty="0"/>
+              <a:t> und </a:t>
+            </a:r>
+            <a:r>
+              <a:rPr lang="en-NZ" dirty="0" err="1"/>
+              <a:t>kontrolliert</a:t>
+            </a:r>
+            <a:r>
+              <a:rPr lang="en-NZ" dirty="0"/>
+              <a:t> </a:t>
+            </a:r>
+            <a:r>
+              <a:rPr lang="en-NZ" dirty="0" err="1"/>
+              <a:t>werden</a:t>
+            </a:r>
+            <a:endParaRPr lang="en-NZ" dirty="0"/>
+          </a:p>
+          <a:p>
+            <a:r>
+              <a:rPr lang="en-NZ" dirty="0" err="1"/>
+              <a:t>Kapazitätenmanagement</a:t>
+            </a:r>
+            <a:endParaRPr lang="en-NZ" dirty="0"/>
+          </a:p>
+          <a:p>
+            <a:pPr lvl="1"/>
+            <a:r>
+              <a:rPr lang="en-NZ" dirty="0" err="1"/>
+              <a:t>Speicherkapazität</a:t>
+            </a:r>
+            <a:endParaRPr lang="en-NZ" dirty="0"/>
+          </a:p>
+          <a:p>
+            <a:pPr lvl="1"/>
+            <a:r>
+              <a:rPr lang="en-NZ" dirty="0" err="1"/>
+              <a:t>Prozessorkapazität</a:t>
+            </a:r>
+            <a:endParaRPr lang="en-NZ" dirty="0"/>
+          </a:p>
+          <a:p>
+            <a:pPr lvl="1"/>
+            <a:r>
+              <a:rPr lang="en-NZ" dirty="0" err="1"/>
+              <a:t>Kommunikationskapazität</a:t>
+            </a:r>
+            <a:r>
+              <a:rPr lang="en-NZ" dirty="0"/>
+              <a:t> (</a:t>
+            </a:r>
+            <a:r>
+              <a:rPr lang="en-NZ" dirty="0" err="1"/>
+              <a:t>z.B</a:t>
+            </a:r>
+            <a:r>
+              <a:rPr lang="en-NZ" dirty="0"/>
+              <a:t>. </a:t>
+            </a:r>
+            <a:r>
+              <a:rPr lang="en-NZ" dirty="0" err="1"/>
+              <a:t>Bandbreite</a:t>
+            </a:r>
+            <a:r>
+              <a:rPr lang="en-NZ" dirty="0"/>
+              <a:t>)</a:t>
+            </a:r>
+          </a:p>
+          <a:p>
+            <a:r>
+              <a:rPr lang="en-NZ" dirty="0" err="1"/>
+              <a:t>Aufteilung</a:t>
+            </a:r>
+            <a:r>
+              <a:rPr lang="en-NZ" dirty="0"/>
+              <a:t> von </a:t>
+            </a:r>
+            <a:r>
+              <a:rPr lang="en-NZ" dirty="0" err="1"/>
+              <a:t>Umgebungsbereichen</a:t>
+            </a:r>
+            <a:endParaRPr lang="en-NZ" dirty="0"/>
+          </a:p>
+          <a:p>
+            <a:pPr lvl="1"/>
+            <a:r>
+              <a:rPr lang="en-NZ" dirty="0" err="1"/>
+              <a:t>Entwicklung</a:t>
+            </a:r>
+            <a:endParaRPr lang="en-NZ" dirty="0"/>
+          </a:p>
+          <a:p>
+            <a:pPr lvl="1"/>
+            <a:r>
+              <a:rPr lang="en-NZ" dirty="0" err="1"/>
+              <a:t>Testen</a:t>
+            </a:r>
+            <a:endParaRPr lang="en-NZ" dirty="0"/>
+          </a:p>
+          <a:p>
+            <a:pPr lvl="1"/>
+            <a:r>
+              <a:rPr lang="en-NZ" dirty="0" err="1"/>
+              <a:t>Ausführung</a:t>
+            </a:r>
+            <a:endParaRPr lang="en-NZ" dirty="0"/>
+          </a:p>
+        </p:txBody>
+      </p:sp>
+      <p:sp>
+        <p:nvSpPr>
+          <p:cNvPr id="4" name="Footer Placeholder 3">
+            <a:extLst>
+              <a:ext uri="{FF2B5EF4-FFF2-40B4-BE49-F238E27FC236}">
+                <a16:creationId xmlns:a16="http://schemas.microsoft.com/office/drawing/2014/main" id="{2E8E2603-0080-41CD-9B05-8DE698DD8FD8}"/>
+              </a:ext>
+            </a:extLst>
+          </p:cNvPr>
+          <p:cNvSpPr>
+            <a:spLocks noGrp="1"/>
+          </p:cNvSpPr>
+          <p:nvPr>
+            <p:ph type="ftr" sz="quarter" idx="11"/>
+          </p:nvPr>
+        </p:nvSpPr>
+        <p:spPr/>
+        <p:txBody>
+          <a:bodyPr/>
+          <a:lstStyle/>
+          <a:p>
+            <a:pPr algn="ctr">
+              <a:defRPr/>
+            </a:pPr>
+            <a:r>
+              <a:rPr lang="de-DE"/>
+              <a:t>WS19/20 – ISO 27001 - Hertel, Kossendey, Kühnert, Withöft</a:t>
+            </a:r>
+            <a:endParaRPr lang="de-DE" dirty="0"/>
+          </a:p>
+        </p:txBody>
+      </p:sp>
+      <p:sp>
+        <p:nvSpPr>
+          <p:cNvPr id="5" name="Slide Number Placeholder 4">
+            <a:extLst>
+              <a:ext uri="{FF2B5EF4-FFF2-40B4-BE49-F238E27FC236}">
+                <a16:creationId xmlns:a16="http://schemas.microsoft.com/office/drawing/2014/main" id="{91F757FB-F441-4E16-B965-06792864CB9C}"/>
+              </a:ext>
+            </a:extLst>
+          </p:cNvPr>
+          <p:cNvSpPr>
+            <a:spLocks noGrp="1"/>
+          </p:cNvSpPr>
+          <p:nvPr>
+            <p:ph type="sldNum" sz="quarter" idx="12"/>
+          </p:nvPr>
+        </p:nvSpPr>
+        <p:spPr/>
+        <p:txBody>
+          <a:bodyPr/>
+          <a:lstStyle/>
+          <a:p>
+            <a:fld id="{969E759D-A893-4B96-8B48-96EE547EBC41}" type="slidenum">
+              <a:rPr lang="de-DE" smtClean="0"/>
+              <a:t>10</a:t>
+            </a:fld>
+            <a:endParaRPr lang="de-DE"/>
+          </a:p>
+        </p:txBody>
+      </p:sp>
+    </p:spTree>
+    <p:extLst>
+      <p:ext uri="{BB962C8B-B14F-4D97-AF65-F5344CB8AC3E}">
+        <p14:creationId xmlns:p14="http://schemas.microsoft.com/office/powerpoint/2010/main" val="1597989395"/>
+      </p:ext>
+    </p:extLst>
+  </p:cSld>
+  <p:clrMapOvr>
+    <a:masterClrMapping/>
+  </p:clrMapOvr>
+</p:sld>
+</file>
+
+<file path=ppt/slides/slide11.xml><?xml version="1.0" encoding="utf-8"?>
+<p:sld xmlns:a="http://schemas.openxmlformats.org/drawingml/2006/main" xmlns:r="http://schemas.openxmlformats.org/officeDocument/2006/relationships" xmlns:p="http://schemas.openxmlformats.org/presentationml/2006/main">
+  <p:cSld>
+    <p:spTree>
+      <p:nvGrpSpPr>
+        <p:cNvPr id="1" name=""/>
+        <p:cNvGrpSpPr/>
+        <p:nvPr/>
+      </p:nvGrpSpPr>
+      <p:grpSpPr>
+        <a:xfrm>
+          <a:off x="0" y="0"/>
+          <a:ext cx="0" cy="0"/>
+          <a:chOff x="0" y="0"/>
+          <a:chExt cx="0" cy="0"/>
+        </a:xfrm>
+      </p:grpSpPr>
+      <p:sp>
+        <p:nvSpPr>
+          <p:cNvPr id="2" name="Title 1">
+            <a:extLst>
+              <a:ext uri="{FF2B5EF4-FFF2-40B4-BE49-F238E27FC236}">
+                <a16:creationId xmlns:a16="http://schemas.microsoft.com/office/drawing/2014/main" id="{B27F4169-DA34-4B38-B80C-95A138317DC2}"/>
+              </a:ext>
+            </a:extLst>
+          </p:cNvPr>
+          <p:cNvSpPr>
+            <a:spLocks noGrp="1"/>
+          </p:cNvSpPr>
+          <p:nvPr>
+            <p:ph type="title"/>
+          </p:nvPr>
+        </p:nvSpPr>
+        <p:spPr/>
+        <p:txBody>
+          <a:bodyPr/>
+          <a:lstStyle/>
+          <a:p>
+            <a:r>
+              <a:rPr lang="en-NZ" dirty="0" err="1"/>
+              <a:t>Betriebssicherheit</a:t>
+            </a:r>
+            <a:r>
+              <a:rPr lang="en-NZ" dirty="0"/>
+              <a:t> II</a:t>
+            </a:r>
+          </a:p>
+        </p:txBody>
+      </p:sp>
+      <p:sp>
+        <p:nvSpPr>
+          <p:cNvPr id="3" name="Content Placeholder 2">
+            <a:extLst>
+              <a:ext uri="{FF2B5EF4-FFF2-40B4-BE49-F238E27FC236}">
+                <a16:creationId xmlns:a16="http://schemas.microsoft.com/office/drawing/2014/main" id="{A47FD58A-55B0-4932-B04E-8045B2CEF63E}"/>
+              </a:ext>
+            </a:extLst>
+          </p:cNvPr>
+          <p:cNvSpPr>
+            <a:spLocks noGrp="1"/>
+          </p:cNvSpPr>
+          <p:nvPr>
+            <p:ph idx="1"/>
+          </p:nvPr>
+        </p:nvSpPr>
+        <p:spPr/>
+        <p:txBody>
+          <a:bodyPr>
+            <a:normAutofit fontScale="92500" lnSpcReduction="10000"/>
+          </a:bodyPr>
+          <a:lstStyle/>
+          <a:p>
+            <a:r>
+              <a:rPr lang="en-NZ" dirty="0" err="1"/>
+              <a:t>Kontrolle</a:t>
+            </a:r>
+            <a:r>
+              <a:rPr lang="en-NZ" dirty="0"/>
+              <a:t> </a:t>
+            </a:r>
+            <a:r>
+              <a:rPr lang="en-NZ" dirty="0" err="1"/>
+              <a:t>gegen</a:t>
+            </a:r>
+            <a:r>
+              <a:rPr lang="en-NZ" dirty="0"/>
+              <a:t> Malware</a:t>
+            </a:r>
+          </a:p>
+          <a:p>
+            <a:pPr lvl="1"/>
+            <a:r>
+              <a:rPr lang="en-NZ" dirty="0" err="1"/>
+              <a:t>Antivirensoftware</a:t>
+            </a:r>
+            <a:endParaRPr lang="en-NZ" dirty="0"/>
+          </a:p>
+          <a:p>
+            <a:pPr lvl="1"/>
+            <a:r>
+              <a:rPr lang="en-NZ" dirty="0"/>
+              <a:t>Schutz </a:t>
+            </a:r>
+            <a:r>
+              <a:rPr lang="en-NZ" dirty="0" err="1"/>
+              <a:t>vor</a:t>
+            </a:r>
+            <a:r>
+              <a:rPr lang="en-NZ" dirty="0"/>
+              <a:t> </a:t>
+            </a:r>
+            <a:r>
+              <a:rPr lang="en-NZ" dirty="0" err="1"/>
+              <a:t>unberechtigten</a:t>
+            </a:r>
+            <a:r>
+              <a:rPr lang="en-NZ" dirty="0"/>
+              <a:t> </a:t>
+            </a:r>
+            <a:r>
+              <a:rPr lang="en-NZ" dirty="0" err="1"/>
+              <a:t>Zugriffen</a:t>
+            </a:r>
+            <a:endParaRPr lang="en-NZ" dirty="0"/>
+          </a:p>
+          <a:p>
+            <a:r>
+              <a:rPr lang="en-NZ" dirty="0" err="1"/>
+              <a:t>Backuppolitik</a:t>
+            </a:r>
+            <a:endParaRPr lang="en-NZ" dirty="0"/>
+          </a:p>
+          <a:p>
+            <a:pPr lvl="1"/>
+            <a:r>
+              <a:rPr lang="en-NZ" dirty="0" err="1"/>
+              <a:t>Regelmäßig</a:t>
+            </a:r>
+            <a:r>
+              <a:rPr lang="en-NZ" dirty="0"/>
+              <a:t>, </a:t>
+            </a:r>
+            <a:r>
+              <a:rPr lang="en-NZ" dirty="0" err="1"/>
+              <a:t>protokolliert</a:t>
+            </a:r>
+            <a:r>
+              <a:rPr lang="en-NZ" dirty="0"/>
+              <a:t>, </a:t>
+            </a:r>
+            <a:r>
+              <a:rPr lang="en-NZ" dirty="0" err="1"/>
+              <a:t>kontrolliert</a:t>
+            </a:r>
+            <a:endParaRPr lang="en-NZ" dirty="0"/>
+          </a:p>
+          <a:p>
+            <a:r>
+              <a:rPr lang="en-NZ" dirty="0" err="1"/>
+              <a:t>Gesondertes</a:t>
+            </a:r>
+            <a:r>
+              <a:rPr lang="en-NZ" dirty="0"/>
+              <a:t> </a:t>
+            </a:r>
+            <a:r>
+              <a:rPr lang="en-NZ" dirty="0" err="1"/>
+              <a:t>loggen</a:t>
+            </a:r>
+            <a:r>
+              <a:rPr lang="en-NZ" dirty="0"/>
+              <a:t> </a:t>
+            </a:r>
+            <a:r>
+              <a:rPr lang="en-NZ" dirty="0" err="1"/>
+              <a:t>bestimmter</a:t>
+            </a:r>
+            <a:r>
+              <a:rPr lang="en-NZ" dirty="0"/>
+              <a:t> </a:t>
+            </a:r>
+            <a:r>
+              <a:rPr lang="en-NZ" dirty="0" err="1"/>
+              <a:t>wichtiger</a:t>
+            </a:r>
+            <a:r>
+              <a:rPr lang="en-NZ" dirty="0"/>
+              <a:t> Events</a:t>
+            </a:r>
+          </a:p>
+          <a:p>
+            <a:pPr lvl="1"/>
+            <a:r>
+              <a:rPr lang="en-NZ" dirty="0" err="1"/>
+              <a:t>Physisch</a:t>
+            </a:r>
+            <a:r>
+              <a:rPr lang="en-NZ" dirty="0"/>
+              <a:t> </a:t>
+            </a:r>
+            <a:r>
+              <a:rPr lang="en-NZ" dirty="0" err="1"/>
+              <a:t>getrennte</a:t>
+            </a:r>
+            <a:r>
+              <a:rPr lang="en-NZ" dirty="0"/>
+              <a:t> </a:t>
+            </a:r>
+            <a:r>
+              <a:rPr lang="en-NZ" dirty="0" err="1"/>
+              <a:t>Speicherung</a:t>
+            </a:r>
+            <a:r>
+              <a:rPr lang="en-NZ" dirty="0"/>
+              <a:t> von </a:t>
+            </a:r>
+            <a:r>
+              <a:rPr lang="en-NZ" dirty="0" err="1"/>
+              <a:t>anderen</a:t>
+            </a:r>
+            <a:r>
+              <a:rPr lang="en-NZ" dirty="0"/>
+              <a:t> </a:t>
+            </a:r>
+            <a:r>
+              <a:rPr lang="en-NZ" dirty="0" err="1"/>
+              <a:t>Standardlogs</a:t>
+            </a:r>
+            <a:endParaRPr lang="en-NZ" dirty="0"/>
+          </a:p>
+          <a:p>
+            <a:r>
+              <a:rPr lang="en-NZ" dirty="0"/>
+              <a:t>Schutz der </a:t>
+            </a:r>
+            <a:r>
+              <a:rPr lang="en-NZ" dirty="0" err="1"/>
+              <a:t>Loginformationen</a:t>
+            </a:r>
+            <a:endParaRPr lang="en-NZ" dirty="0"/>
+          </a:p>
+          <a:p>
+            <a:pPr lvl="1"/>
+            <a:r>
+              <a:rPr lang="en-NZ" dirty="0"/>
+              <a:t>Logs </a:t>
+            </a:r>
+            <a:r>
+              <a:rPr lang="en-NZ" dirty="0" err="1"/>
+              <a:t>werden</a:t>
+            </a:r>
+            <a:r>
+              <a:rPr lang="en-NZ" dirty="0"/>
+              <a:t> </a:t>
+            </a:r>
+            <a:r>
+              <a:rPr lang="en-NZ" dirty="0" err="1"/>
+              <a:t>gerne</a:t>
+            </a:r>
+            <a:r>
+              <a:rPr lang="en-NZ" dirty="0"/>
+              <a:t> </a:t>
+            </a:r>
+            <a:r>
+              <a:rPr lang="en-NZ" dirty="0" err="1"/>
+              <a:t>manipuliert</a:t>
+            </a:r>
+            <a:endParaRPr lang="en-NZ" dirty="0"/>
+          </a:p>
+          <a:p>
+            <a:r>
+              <a:rPr lang="en-NZ" dirty="0" err="1"/>
+              <a:t>Loggen</a:t>
+            </a:r>
+            <a:r>
+              <a:rPr lang="en-NZ" dirty="0"/>
+              <a:t> von Operator- und </a:t>
+            </a:r>
+            <a:r>
+              <a:rPr lang="en-NZ" dirty="0" err="1"/>
+              <a:t>Adminaktivitäten</a:t>
+            </a:r>
+            <a:endParaRPr lang="en-NZ" dirty="0"/>
+          </a:p>
+          <a:p>
+            <a:r>
+              <a:rPr lang="en-NZ" dirty="0" err="1"/>
+              <a:t>Synchronisieren</a:t>
+            </a:r>
+            <a:r>
+              <a:rPr lang="en-NZ" dirty="0"/>
+              <a:t> der </a:t>
+            </a:r>
+            <a:r>
+              <a:rPr lang="en-NZ" dirty="0" err="1"/>
+              <a:t>Informationssysteme</a:t>
+            </a:r>
+            <a:r>
+              <a:rPr lang="en-NZ" dirty="0"/>
+              <a:t> </a:t>
+            </a:r>
+            <a:r>
+              <a:rPr lang="en-NZ" dirty="0" err="1"/>
+              <a:t>mit</a:t>
+            </a:r>
+            <a:r>
+              <a:rPr lang="en-NZ" dirty="0"/>
+              <a:t> </a:t>
+            </a:r>
+            <a:r>
+              <a:rPr lang="en-NZ" b="1" dirty="0" err="1"/>
+              <a:t>einer</a:t>
+            </a:r>
+            <a:r>
+              <a:rPr lang="en-NZ" b="1" dirty="0"/>
+              <a:t> </a:t>
+            </a:r>
+            <a:r>
+              <a:rPr lang="en-NZ" dirty="0" err="1"/>
+              <a:t>Zeitquelle</a:t>
+            </a:r>
+            <a:endParaRPr lang="en-NZ" b="1" dirty="0"/>
+          </a:p>
+          <a:p>
+            <a:endParaRPr lang="en-NZ" dirty="0"/>
+          </a:p>
+        </p:txBody>
+      </p:sp>
+      <p:sp>
+        <p:nvSpPr>
+          <p:cNvPr id="4" name="Footer Placeholder 3">
+            <a:extLst>
+              <a:ext uri="{FF2B5EF4-FFF2-40B4-BE49-F238E27FC236}">
+                <a16:creationId xmlns:a16="http://schemas.microsoft.com/office/drawing/2014/main" id="{E289F43C-5FE6-489B-8561-69087913138A}"/>
+              </a:ext>
+            </a:extLst>
+          </p:cNvPr>
+          <p:cNvSpPr>
+            <a:spLocks noGrp="1"/>
+          </p:cNvSpPr>
+          <p:nvPr>
+            <p:ph type="ftr" sz="quarter" idx="11"/>
+          </p:nvPr>
+        </p:nvSpPr>
+        <p:spPr/>
+        <p:txBody>
+          <a:bodyPr/>
+          <a:lstStyle/>
+          <a:p>
+            <a:pPr algn="ctr">
+              <a:defRPr/>
+            </a:pPr>
+            <a:r>
+              <a:rPr lang="de-DE"/>
+              <a:t>WS19/20 – ISO 27001 - Hertel, Kossendey, Kühnert, Withöft</a:t>
+            </a:r>
+            <a:endParaRPr lang="de-DE" dirty="0"/>
+          </a:p>
+        </p:txBody>
+      </p:sp>
+      <p:sp>
+        <p:nvSpPr>
+          <p:cNvPr id="5" name="Slide Number Placeholder 4">
+            <a:extLst>
+              <a:ext uri="{FF2B5EF4-FFF2-40B4-BE49-F238E27FC236}">
+                <a16:creationId xmlns:a16="http://schemas.microsoft.com/office/drawing/2014/main" id="{226631CD-0290-4DC4-8B3C-BE427A3B895E}"/>
+              </a:ext>
+            </a:extLst>
+          </p:cNvPr>
+          <p:cNvSpPr>
+            <a:spLocks noGrp="1"/>
+          </p:cNvSpPr>
+          <p:nvPr>
+            <p:ph type="sldNum" sz="quarter" idx="12"/>
+          </p:nvPr>
+        </p:nvSpPr>
+        <p:spPr/>
+        <p:txBody>
+          <a:bodyPr/>
+          <a:lstStyle/>
+          <a:p>
+            <a:fld id="{969E759D-A893-4B96-8B48-96EE547EBC41}" type="slidenum">
+              <a:rPr lang="de-DE" smtClean="0"/>
+              <a:t>11</a:t>
+            </a:fld>
+            <a:endParaRPr lang="de-DE"/>
+          </a:p>
+        </p:txBody>
+      </p:sp>
+    </p:spTree>
+    <p:extLst>
+      <p:ext uri="{BB962C8B-B14F-4D97-AF65-F5344CB8AC3E}">
+        <p14:creationId xmlns:p14="http://schemas.microsoft.com/office/powerpoint/2010/main" val="137384218"/>
+      </p:ext>
+    </p:extLst>
+  </p:cSld>
+  <p:clrMapOvr>
+    <a:masterClrMapping/>
+  </p:clrMapOvr>
+</p:sld>
+</file>
+
+<file path=ppt/slides/slide12.xml><?xml version="1.0" encoding="utf-8"?>
+<p:sld xmlns:a="http://schemas.openxmlformats.org/drawingml/2006/main" xmlns:r="http://schemas.openxmlformats.org/officeDocument/2006/relationships" xmlns:p="http://schemas.openxmlformats.org/presentationml/2006/main">
+  <p:cSld>
+    <p:spTree>
+      <p:nvGrpSpPr>
+        <p:cNvPr id="1" name=""/>
+        <p:cNvGrpSpPr/>
+        <p:nvPr/>
+      </p:nvGrpSpPr>
+      <p:grpSpPr>
+        <a:xfrm>
+          <a:off x="0" y="0"/>
+          <a:ext cx="0" cy="0"/>
+          <a:chOff x="0" y="0"/>
+          <a:chExt cx="0" cy="0"/>
+        </a:xfrm>
+      </p:grpSpPr>
+      <p:sp>
+        <p:nvSpPr>
+          <p:cNvPr id="2" name="Title 1">
+            <a:extLst>
+              <a:ext uri="{FF2B5EF4-FFF2-40B4-BE49-F238E27FC236}">
+                <a16:creationId xmlns:a16="http://schemas.microsoft.com/office/drawing/2014/main" id="{3A4055F7-9D5C-436F-9D17-BD2D06031C5C}"/>
+              </a:ext>
+            </a:extLst>
+          </p:cNvPr>
+          <p:cNvSpPr>
+            <a:spLocks noGrp="1"/>
+          </p:cNvSpPr>
+          <p:nvPr>
+            <p:ph type="title"/>
+          </p:nvPr>
+        </p:nvSpPr>
+        <p:spPr/>
+        <p:txBody>
+          <a:bodyPr/>
+          <a:lstStyle/>
+          <a:p>
+            <a:r>
+              <a:rPr lang="en-NZ" dirty="0" err="1"/>
+              <a:t>Kommunikationssicherheit</a:t>
+            </a:r>
+            <a:endParaRPr lang="en-NZ" dirty="0"/>
+          </a:p>
+        </p:txBody>
+      </p:sp>
+      <p:sp>
+        <p:nvSpPr>
+          <p:cNvPr id="3" name="Content Placeholder 2">
+            <a:extLst>
+              <a:ext uri="{FF2B5EF4-FFF2-40B4-BE49-F238E27FC236}">
+                <a16:creationId xmlns:a16="http://schemas.microsoft.com/office/drawing/2014/main" id="{11E4C931-5C31-47DD-B469-7816B628FD31}"/>
+              </a:ext>
+            </a:extLst>
+          </p:cNvPr>
+          <p:cNvSpPr>
+            <a:spLocks noGrp="1"/>
+          </p:cNvSpPr>
+          <p:nvPr>
+            <p:ph idx="1"/>
+          </p:nvPr>
+        </p:nvSpPr>
+        <p:spPr/>
+        <p:txBody>
+          <a:bodyPr/>
+          <a:lstStyle/>
+          <a:p>
+            <a:endParaRPr lang="en-NZ"/>
+          </a:p>
+        </p:txBody>
+      </p:sp>
+      <p:sp>
+        <p:nvSpPr>
+          <p:cNvPr id="4" name="Footer Placeholder 3">
+            <a:extLst>
+              <a:ext uri="{FF2B5EF4-FFF2-40B4-BE49-F238E27FC236}">
+                <a16:creationId xmlns:a16="http://schemas.microsoft.com/office/drawing/2014/main" id="{713C9065-9EFA-47F0-BF9F-BAC2126DD372}"/>
+              </a:ext>
+            </a:extLst>
+          </p:cNvPr>
+          <p:cNvSpPr>
+            <a:spLocks noGrp="1"/>
+          </p:cNvSpPr>
+          <p:nvPr>
+            <p:ph type="ftr" sz="quarter" idx="11"/>
+          </p:nvPr>
+        </p:nvSpPr>
+        <p:spPr/>
+        <p:txBody>
+          <a:bodyPr/>
+          <a:lstStyle/>
+          <a:p>
+            <a:pPr algn="ctr">
+              <a:defRPr/>
+            </a:pPr>
+            <a:r>
+              <a:rPr lang="de-DE"/>
+              <a:t>WS19/20 – ISO 27001 - Hertel, Kossendey, Kühnert, Withöft</a:t>
+            </a:r>
+            <a:endParaRPr lang="de-DE" dirty="0"/>
+          </a:p>
+        </p:txBody>
+      </p:sp>
+      <p:sp>
+        <p:nvSpPr>
+          <p:cNvPr id="5" name="Slide Number Placeholder 4">
+            <a:extLst>
+              <a:ext uri="{FF2B5EF4-FFF2-40B4-BE49-F238E27FC236}">
+                <a16:creationId xmlns:a16="http://schemas.microsoft.com/office/drawing/2014/main" id="{18289674-F921-4A49-A0B4-CD1BC5929348}"/>
+              </a:ext>
+            </a:extLst>
+          </p:cNvPr>
+          <p:cNvSpPr>
+            <a:spLocks noGrp="1"/>
+          </p:cNvSpPr>
+          <p:nvPr>
+            <p:ph type="sldNum" sz="quarter" idx="12"/>
+          </p:nvPr>
+        </p:nvSpPr>
+        <p:spPr/>
+        <p:txBody>
+          <a:bodyPr/>
+          <a:lstStyle/>
+          <a:p>
+            <a:fld id="{969E759D-A893-4B96-8B48-96EE547EBC41}" type="slidenum">
+              <a:rPr lang="de-DE" smtClean="0"/>
+              <a:t>12</a:t>
+            </a:fld>
+            <a:endParaRPr lang="de-DE"/>
+          </a:p>
+        </p:txBody>
+      </p:sp>
+    </p:spTree>
+    <p:extLst>
+      <p:ext uri="{BB962C8B-B14F-4D97-AF65-F5344CB8AC3E}">
+        <p14:creationId xmlns:p14="http://schemas.microsoft.com/office/powerpoint/2010/main" val="855883521"/>
+      </p:ext>
+    </p:extLst>
+  </p:cSld>
+  <p:clrMapOvr>
+    <a:masterClrMapping/>
+  </p:clrMapOvr>
+</p:sld>
+</file>
+
+<file path=ppt/slides/slide13.xml><?xml version="1.0" encoding="utf-8"?>
+<p:sld xmlns:a="http://schemas.openxmlformats.org/drawingml/2006/main" xmlns:r="http://schemas.openxmlformats.org/officeDocument/2006/relationships" xmlns:p="http://schemas.openxmlformats.org/presentationml/2006/main">
+  <p:cSld>
+    <p:spTree>
+      <p:nvGrpSpPr>
+        <p:cNvPr id="1" name=""/>
+        <p:cNvGrpSpPr/>
+        <p:nvPr/>
+      </p:nvGrpSpPr>
+      <p:grpSpPr>
+        <a:xfrm>
+          <a:off x="0" y="0"/>
+          <a:ext cx="0" cy="0"/>
+          <a:chOff x="0" y="0"/>
+          <a:chExt cx="0" cy="0"/>
+        </a:xfrm>
+      </p:grpSpPr>
+      <p:sp>
+        <p:nvSpPr>
+          <p:cNvPr id="2" name="Title 1">
+            <a:extLst>
+              <a:ext uri="{FF2B5EF4-FFF2-40B4-BE49-F238E27FC236}">
+                <a16:creationId xmlns:a16="http://schemas.microsoft.com/office/drawing/2014/main" id="{E6890795-FF24-4BF2-BA0E-00A80D3CB21A}"/>
+              </a:ext>
+            </a:extLst>
+          </p:cNvPr>
+          <p:cNvSpPr>
+            <a:spLocks noGrp="1"/>
+          </p:cNvSpPr>
+          <p:nvPr>
+            <p:ph type="title"/>
+          </p:nvPr>
+        </p:nvSpPr>
+        <p:spPr/>
+        <p:txBody>
+          <a:bodyPr/>
+          <a:lstStyle/>
+          <a:p>
+            <a:r>
+              <a:rPr lang="en-NZ" dirty="0" err="1"/>
+              <a:t>Lieferantenbeziehungen</a:t>
+            </a:r>
+            <a:endParaRPr lang="en-NZ" dirty="0"/>
+          </a:p>
+        </p:txBody>
+      </p:sp>
+      <p:sp>
+        <p:nvSpPr>
+          <p:cNvPr id="3" name="Content Placeholder 2">
+            <a:extLst>
+              <a:ext uri="{FF2B5EF4-FFF2-40B4-BE49-F238E27FC236}">
+                <a16:creationId xmlns:a16="http://schemas.microsoft.com/office/drawing/2014/main" id="{1A85A8F8-8782-4375-9697-5050D4027E2A}"/>
+              </a:ext>
+            </a:extLst>
+          </p:cNvPr>
+          <p:cNvSpPr>
+            <a:spLocks noGrp="1"/>
+          </p:cNvSpPr>
+          <p:nvPr>
+            <p:ph idx="1"/>
+          </p:nvPr>
+        </p:nvSpPr>
+        <p:spPr/>
+        <p:txBody>
+          <a:bodyPr/>
+          <a:lstStyle/>
+          <a:p>
+            <a:endParaRPr lang="en-NZ"/>
+          </a:p>
+        </p:txBody>
+      </p:sp>
+      <p:sp>
+        <p:nvSpPr>
+          <p:cNvPr id="4" name="Footer Placeholder 3">
+            <a:extLst>
+              <a:ext uri="{FF2B5EF4-FFF2-40B4-BE49-F238E27FC236}">
+                <a16:creationId xmlns:a16="http://schemas.microsoft.com/office/drawing/2014/main" id="{FFA8287C-181A-4521-855D-E0E0A475E66B}"/>
+              </a:ext>
+            </a:extLst>
+          </p:cNvPr>
+          <p:cNvSpPr>
+            <a:spLocks noGrp="1"/>
+          </p:cNvSpPr>
+          <p:nvPr>
+            <p:ph type="ftr" sz="quarter" idx="11"/>
+          </p:nvPr>
+        </p:nvSpPr>
+        <p:spPr/>
+        <p:txBody>
+          <a:bodyPr/>
+          <a:lstStyle/>
+          <a:p>
+            <a:pPr algn="ctr">
+              <a:defRPr/>
+            </a:pPr>
+            <a:r>
+              <a:rPr lang="de-DE"/>
+              <a:t>WS19/20 – ISO 27001 - Hertel, Kossendey, Kühnert, Withöft</a:t>
+            </a:r>
+            <a:endParaRPr lang="de-DE" dirty="0"/>
+          </a:p>
+        </p:txBody>
+      </p:sp>
+      <p:sp>
+        <p:nvSpPr>
+          <p:cNvPr id="5" name="Slide Number Placeholder 4">
+            <a:extLst>
+              <a:ext uri="{FF2B5EF4-FFF2-40B4-BE49-F238E27FC236}">
+                <a16:creationId xmlns:a16="http://schemas.microsoft.com/office/drawing/2014/main" id="{D89AF9F7-4872-416C-B506-D8CE005E852F}"/>
+              </a:ext>
+            </a:extLst>
+          </p:cNvPr>
+          <p:cNvSpPr>
+            <a:spLocks noGrp="1"/>
+          </p:cNvSpPr>
+          <p:nvPr>
+            <p:ph type="sldNum" sz="quarter" idx="12"/>
+          </p:nvPr>
+        </p:nvSpPr>
+        <p:spPr/>
+        <p:txBody>
+          <a:bodyPr/>
+          <a:lstStyle/>
+          <a:p>
+            <a:fld id="{969E759D-A893-4B96-8B48-96EE547EBC41}" type="slidenum">
+              <a:rPr lang="de-DE" smtClean="0"/>
+              <a:t>13</a:t>
+            </a:fld>
+            <a:endParaRPr lang="de-DE"/>
+          </a:p>
+        </p:txBody>
+      </p:sp>
+    </p:spTree>
+    <p:extLst>
+      <p:ext uri="{BB962C8B-B14F-4D97-AF65-F5344CB8AC3E}">
+        <p14:creationId xmlns:p14="http://schemas.microsoft.com/office/powerpoint/2010/main" val="1162317196"/>
+      </p:ext>
+    </p:extLst>
+  </p:cSld>
+  <p:clrMapOvr>
+    <a:masterClrMapping/>
+  </p:clrMapOvr>
+</p:sld>
+</file>
+
+<file path=ppt/slides/slide14.xml><?xml version="1.0" encoding="utf-8"?>
+<p:sld xmlns:a="http://schemas.openxmlformats.org/drawingml/2006/main" xmlns:r="http://schemas.openxmlformats.org/officeDocument/2006/relationships" xmlns:p="http://schemas.openxmlformats.org/presentationml/2006/main">
+  <p:cSld>
+    <p:spTree>
+      <p:nvGrpSpPr>
+        <p:cNvPr id="1" name=""/>
+        <p:cNvGrpSpPr/>
+        <p:nvPr/>
+      </p:nvGrpSpPr>
+      <p:grpSpPr>
+        <a:xfrm>
+          <a:off x="0" y="0"/>
+          <a:ext cx="0" cy="0"/>
+          <a:chOff x="0" y="0"/>
+          <a:chExt cx="0" cy="0"/>
+        </a:xfrm>
+      </p:grpSpPr>
+      <p:sp>
+        <p:nvSpPr>
+          <p:cNvPr id="2" name="Title 1">
+            <a:extLst>
+              <a:ext uri="{FF2B5EF4-FFF2-40B4-BE49-F238E27FC236}">
+                <a16:creationId xmlns:a16="http://schemas.microsoft.com/office/drawing/2014/main" id="{64E21047-4F93-479F-8659-0EE7B788B6DD}"/>
+              </a:ext>
+            </a:extLst>
+          </p:cNvPr>
+          <p:cNvSpPr>
+            <a:spLocks noGrp="1"/>
+          </p:cNvSpPr>
+          <p:nvPr>
+            <p:ph type="title"/>
+          </p:nvPr>
+        </p:nvSpPr>
+        <p:spPr/>
+        <p:txBody>
+          <a:bodyPr/>
+          <a:lstStyle/>
+          <a:p>
+            <a:r>
+              <a:rPr lang="en-NZ" dirty="0" err="1"/>
+              <a:t>Quellen</a:t>
+            </a:r>
+            <a:endParaRPr lang="en-NZ" dirty="0"/>
+          </a:p>
+        </p:txBody>
+      </p:sp>
+      <p:sp>
+        <p:nvSpPr>
+          <p:cNvPr id="3" name="Content Placeholder 2">
+            <a:extLst>
+              <a:ext uri="{FF2B5EF4-FFF2-40B4-BE49-F238E27FC236}">
+                <a16:creationId xmlns:a16="http://schemas.microsoft.com/office/drawing/2014/main" id="{531C2AD8-7B64-4406-B84E-D1AEA4B9F62A}"/>
+              </a:ext>
+            </a:extLst>
+          </p:cNvPr>
+          <p:cNvSpPr>
+            <a:spLocks noGrp="1"/>
+          </p:cNvSpPr>
+          <p:nvPr>
+            <p:ph idx="1"/>
+          </p:nvPr>
+        </p:nvSpPr>
+        <p:spPr/>
+        <p:txBody>
+          <a:bodyPr/>
+          <a:lstStyle/>
+          <a:p>
+            <a:r>
+              <a:rPr lang="en-NZ" dirty="0">
+                <a:hlinkClick r:id="rId2"/>
+              </a:rPr>
+              <a:t>https://www.iso27001security.com/html/27001.html</a:t>
+            </a:r>
+            <a:endParaRPr lang="en-NZ" dirty="0">
+              <a:hlinkClick r:id="rId3"/>
+            </a:endParaRPr>
+          </a:p>
+          <a:p>
+            <a:r>
+              <a:rPr lang="en-NZ" dirty="0">
+                <a:hlinkClick r:id="rId3"/>
+              </a:rPr>
+              <a:t>https://www.isms.online/iso-27001/requirements-controls/</a:t>
+            </a:r>
+            <a:endParaRPr lang="en-NZ" dirty="0"/>
+          </a:p>
+          <a:p>
+            <a:r>
+              <a:rPr lang="en-NZ" dirty="0">
+                <a:hlinkClick r:id="rId4"/>
+              </a:rPr>
+              <a:t>https://www.itgovernance.co.uk/blog/iso-27001-the-14-control-sets-of-annex-a-explained</a:t>
+            </a:r>
+            <a:endParaRPr lang="en-NZ" dirty="0"/>
+          </a:p>
+        </p:txBody>
+      </p:sp>
+      <p:sp>
+        <p:nvSpPr>
+          <p:cNvPr id="4" name="Footer Placeholder 3">
+            <a:extLst>
+              <a:ext uri="{FF2B5EF4-FFF2-40B4-BE49-F238E27FC236}">
+                <a16:creationId xmlns:a16="http://schemas.microsoft.com/office/drawing/2014/main" id="{5EEAAB99-5703-4EF6-A0FC-28A8354A8E13}"/>
+              </a:ext>
+            </a:extLst>
+          </p:cNvPr>
+          <p:cNvSpPr>
+            <a:spLocks noGrp="1"/>
+          </p:cNvSpPr>
+          <p:nvPr>
+            <p:ph type="ftr" sz="quarter" idx="11"/>
+          </p:nvPr>
+        </p:nvSpPr>
+        <p:spPr/>
+        <p:txBody>
+          <a:bodyPr/>
+          <a:lstStyle/>
+          <a:p>
+            <a:pPr algn="ctr">
+              <a:defRPr/>
+            </a:pPr>
+            <a:r>
+              <a:rPr lang="de-DE"/>
+              <a:t>WS19/20 – ISO 27001 - Hertel, Kossendey, Kühnert, Withöft</a:t>
+            </a:r>
+            <a:endParaRPr lang="de-DE" dirty="0"/>
+          </a:p>
+        </p:txBody>
+      </p:sp>
+      <p:sp>
+        <p:nvSpPr>
+          <p:cNvPr id="5" name="Slide Number Placeholder 4">
+            <a:extLst>
+              <a:ext uri="{FF2B5EF4-FFF2-40B4-BE49-F238E27FC236}">
+                <a16:creationId xmlns:a16="http://schemas.microsoft.com/office/drawing/2014/main" id="{ECF0C93B-D40E-4AD6-9CA5-80590F9DBE3F}"/>
+              </a:ext>
+            </a:extLst>
+          </p:cNvPr>
+          <p:cNvSpPr>
+            <a:spLocks noGrp="1"/>
+          </p:cNvSpPr>
+          <p:nvPr>
+            <p:ph type="sldNum" sz="quarter" idx="12"/>
+          </p:nvPr>
+        </p:nvSpPr>
+        <p:spPr/>
+        <p:txBody>
+          <a:bodyPr/>
+          <a:lstStyle/>
+          <a:p>
+            <a:fld id="{969E759D-A893-4B96-8B48-96EE547EBC41}" type="slidenum">
+              <a:rPr lang="de-DE" smtClean="0"/>
+              <a:t>14</a:t>
+            </a:fld>
+            <a:endParaRPr lang="de-DE"/>
+          </a:p>
+        </p:txBody>
+      </p:sp>
+    </p:spTree>
+    <p:extLst>
+      <p:ext uri="{BB962C8B-B14F-4D97-AF65-F5344CB8AC3E}">
+        <p14:creationId xmlns:p14="http://schemas.microsoft.com/office/powerpoint/2010/main" val="886385839"/>
+      </p:ext>
+    </p:extLst>
+  </p:cSld>
+  <p:clrMapOvr>
+    <a:masterClrMapping/>
+  </p:clrMapOvr>
+</p:sld>
+</file>
+
 <file path=ppt/slides/slide2.xml><?xml version="1.0" encoding="utf-8"?>
 <p:sld xmlns:a="http://schemas.openxmlformats.org/drawingml/2006/main" xmlns:r="http://schemas.openxmlformats.org/officeDocument/2006/relationships" xmlns:p="http://schemas.openxmlformats.org/presentationml/2006/main">
   <p:cSld>
@@ -4564,6 +5731,16 @@
             <a:r>
               <a:rPr lang="en-NZ" sz="1700" dirty="0"/>
               <a:t> die ISO 27001? (Moritz)</a:t>
+            </a:r>
+          </a:p>
+          <a:p>
+            <a:r>
+              <a:rPr lang="en-NZ" sz="1700" dirty="0" err="1"/>
+              <a:t>Vorteile</a:t>
+            </a:r>
+            <a:r>
+              <a:rPr lang="en-NZ" sz="1700" dirty="0"/>
+              <a:t> der ISO 27001</a:t>
             </a:r>
           </a:p>
           <a:p>
@@ -5395,6 +6572,14 @@
 <file path=ppt/slides/slide4.xml><?xml version="1.0" encoding="utf-8"?>
 <p:sld xmlns:a="http://schemas.openxmlformats.org/drawingml/2006/main" xmlns:r="http://schemas.openxmlformats.org/officeDocument/2006/relationships" xmlns:p="http://schemas.openxmlformats.org/presentationml/2006/main">
   <p:cSld>
+    <p:bg>
+      <p:bgPr>
+        <a:solidFill>
+          <a:schemeClr val="bg1"/>
+        </a:solidFill>
+        <a:effectLst/>
+      </p:bgPr>
+    </p:bg>
     <p:spTree>
       <p:nvGrpSpPr>
         <p:cNvPr id="1" name=""/>
@@ -5425,12 +6610,27 @@
             <p:ph type="title"/>
           </p:nvPr>
         </p:nvSpPr>
-        <p:spPr/>
-        <p:txBody>
-          <a:bodyPr/>
-          <a:lstStyle/>
-          <a:p>
-            <a:endParaRPr lang="en-NZ" dirty="0"/>
+        <p:spPr>
+          <a:xfrm>
+            <a:off x="648929" y="629266"/>
+            <a:ext cx="5127031" cy="1676603"/>
+          </a:xfrm>
+        </p:spPr>
+        <p:txBody>
+          <a:bodyPr>
+            <a:normAutofit/>
+          </a:bodyPr>
+          <a:lstStyle/>
+          <a:p>
+            <a:r>
+              <a:rPr lang="en-NZ" sz="4000" dirty="0"/>
+              <a:t>ISO 27001 - </a:t>
+            </a:r>
+            <a:r>
+              <a:rPr lang="en-NZ" sz="4000" dirty="0" err="1"/>
+              <a:t>Allgemeines</a:t>
+            </a:r>
+            <a:endParaRPr lang="en-NZ" sz="4000" dirty="0"/>
           </a:p>
         </p:txBody>
       </p:sp>
@@ -5450,15 +6650,220 @@
             <p:ph idx="1"/>
           </p:nvPr>
         </p:nvSpPr>
-        <p:spPr/>
-        <p:txBody>
-          <a:bodyPr/>
-          <a:lstStyle/>
-          <a:p>
-            <a:endParaRPr lang="en-NZ"/>
-          </a:p>
-        </p:txBody>
-      </p:sp>
+        <p:spPr>
+          <a:xfrm>
+            <a:off x="648929" y="2104932"/>
+            <a:ext cx="6584789" cy="4118888"/>
+          </a:xfrm>
+        </p:spPr>
+        <p:txBody>
+          <a:bodyPr>
+            <a:noAutofit/>
+          </a:bodyPr>
+          <a:lstStyle/>
+          <a:p>
+            <a:r>
+              <a:rPr lang="en-NZ" sz="1900" dirty="0"/>
+              <a:t>ISO: The International Organization for Standardization</a:t>
+            </a:r>
+          </a:p>
+          <a:p>
+            <a:r>
+              <a:rPr lang="en-NZ" sz="1900" dirty="0"/>
+              <a:t>Internationale Norm </a:t>
+            </a:r>
+            <a:r>
+              <a:rPr lang="en-NZ" sz="1900" dirty="0" err="1"/>
+              <a:t>für</a:t>
+            </a:r>
+            <a:r>
+              <a:rPr lang="en-NZ" sz="1900" dirty="0"/>
+              <a:t> </a:t>
+            </a:r>
+            <a:r>
+              <a:rPr lang="en-NZ" sz="1900" dirty="0" err="1"/>
+              <a:t>Informationssicherheit</a:t>
+            </a:r>
+            <a:endParaRPr lang="en-NZ" sz="1900" dirty="0"/>
+          </a:p>
+          <a:p>
+            <a:r>
+              <a:rPr lang="en-NZ" sz="1900" dirty="0" err="1"/>
+              <a:t>Anforderung</a:t>
+            </a:r>
+            <a:r>
+              <a:rPr lang="en-NZ" sz="1900" dirty="0"/>
+              <a:t> </a:t>
+            </a:r>
+            <a:r>
+              <a:rPr lang="en-NZ" sz="1900" dirty="0" err="1"/>
+              <a:t>zur</a:t>
+            </a:r>
+            <a:r>
+              <a:rPr lang="en-NZ" sz="1900" dirty="0"/>
+              <a:t> </a:t>
+            </a:r>
+            <a:r>
+              <a:rPr lang="en-NZ" sz="1900" dirty="0" err="1"/>
+              <a:t>Implementierung</a:t>
+            </a:r>
+            <a:r>
+              <a:rPr lang="en-NZ" sz="1900" dirty="0"/>
+              <a:t> und </a:t>
+            </a:r>
+            <a:r>
+              <a:rPr lang="en-NZ" sz="1900" dirty="0" err="1"/>
+              <a:t>Betrieb</a:t>
+            </a:r>
+            <a:r>
+              <a:rPr lang="en-NZ" sz="1900" dirty="0"/>
+              <a:t> von ISMS</a:t>
+            </a:r>
+          </a:p>
+          <a:p>
+            <a:pPr lvl="1"/>
+            <a:r>
+              <a:rPr lang="en-NZ" sz="1900" dirty="0"/>
+              <a:t>Information security management system</a:t>
+            </a:r>
+          </a:p>
+          <a:p>
+            <a:r>
+              <a:rPr lang="en-NZ" sz="1900" dirty="0" err="1"/>
+              <a:t>Anforderungen</a:t>
+            </a:r>
+            <a:r>
+              <a:rPr lang="en-NZ" sz="1900" dirty="0"/>
+              <a:t> </a:t>
+            </a:r>
+            <a:r>
+              <a:rPr lang="en-NZ" sz="1900" dirty="0" err="1"/>
+              <a:t>können</a:t>
+            </a:r>
+            <a:r>
+              <a:rPr lang="en-NZ" sz="1900" dirty="0"/>
+              <a:t> in 14 </a:t>
+            </a:r>
+            <a:r>
+              <a:rPr lang="en-NZ" sz="1900" dirty="0" err="1"/>
+              <a:t>Komponenten</a:t>
+            </a:r>
+            <a:r>
+              <a:rPr lang="en-NZ" sz="1900" dirty="0"/>
+              <a:t> </a:t>
+            </a:r>
+            <a:r>
+              <a:rPr lang="en-NZ" sz="1900" dirty="0" err="1"/>
+              <a:t>aufgeteilt</a:t>
+            </a:r>
+            <a:r>
+              <a:rPr lang="en-NZ" sz="1900" dirty="0"/>
+              <a:t> </a:t>
+            </a:r>
+            <a:r>
+              <a:rPr lang="en-NZ" sz="1900" dirty="0" err="1"/>
+              <a:t>werden</a:t>
+            </a:r>
+            <a:endParaRPr lang="en-NZ" sz="1900" dirty="0"/>
+          </a:p>
+          <a:p>
+            <a:pPr lvl="1"/>
+            <a:r>
+              <a:rPr lang="en-NZ" sz="1900" dirty="0" err="1"/>
+              <a:t>Kontrolle</a:t>
+            </a:r>
+            <a:r>
+              <a:rPr lang="en-NZ" sz="1900" dirty="0"/>
+              <a:t> der </a:t>
+            </a:r>
+            <a:r>
+              <a:rPr lang="en-NZ" sz="1900" dirty="0" err="1"/>
+              <a:t>Anforderungen</a:t>
+            </a:r>
+            <a:r>
+              <a:rPr lang="en-NZ" sz="1900" dirty="0"/>
+              <a:t> </a:t>
+            </a:r>
+            <a:r>
+              <a:rPr lang="en-NZ" sz="1900" dirty="0" err="1"/>
+              <a:t>über</a:t>
+            </a:r>
+            <a:r>
+              <a:rPr lang="en-NZ" sz="1900" dirty="0"/>
+              <a:t> </a:t>
+            </a:r>
+            <a:r>
+              <a:rPr lang="en-NZ" sz="1900" dirty="0" err="1"/>
+              <a:t>Domänen</a:t>
+            </a:r>
+            <a:r>
+              <a:rPr lang="en-NZ" sz="1900" dirty="0"/>
+              <a:t> </a:t>
+            </a:r>
+            <a:r>
+              <a:rPr lang="en-NZ" sz="1900" dirty="0" err="1"/>
+              <a:t>mit</a:t>
+            </a:r>
+            <a:r>
+              <a:rPr lang="en-NZ" sz="1900" dirty="0"/>
+              <a:t> Controls</a:t>
+            </a:r>
+          </a:p>
+          <a:p>
+            <a:r>
+              <a:rPr lang="en-NZ" sz="1900" dirty="0" err="1"/>
+              <a:t>Zertifizierung</a:t>
+            </a:r>
+            <a:r>
+              <a:rPr lang="en-NZ" sz="1900" dirty="0"/>
+              <a:t> </a:t>
+            </a:r>
+            <a:r>
+              <a:rPr lang="en-NZ" sz="1900" dirty="0" err="1"/>
+              <a:t>für</a:t>
+            </a:r>
+            <a:r>
+              <a:rPr lang="en-NZ" sz="1900" dirty="0"/>
+              <a:t> </a:t>
+            </a:r>
+            <a:r>
+              <a:rPr lang="en-NZ" sz="1900" dirty="0" err="1"/>
+              <a:t>Unternehmen</a:t>
+            </a:r>
+            <a:endParaRPr lang="en-NZ" sz="1900" dirty="0"/>
+          </a:p>
+        </p:txBody>
+      </p:sp>
+      <p:pic>
+        <p:nvPicPr>
+          <p:cNvPr id="7" name="Picture 6">
+            <a:extLst>
+              <a:ext uri="{FF2B5EF4-FFF2-40B4-BE49-F238E27FC236}">
+                <a16:creationId xmlns:a16="http://schemas.microsoft.com/office/drawing/2014/main" id="{30D93BFF-D7C6-41EE-91E6-585D0B191E6B}"/>
+              </a:ext>
+            </a:extLst>
+          </p:cNvPr>
+          <p:cNvPicPr>
+            <a:picLocks noChangeAspect="1"/>
+          </p:cNvPicPr>
+          <p:nvPr/>
+        </p:nvPicPr>
+        <p:blipFill rotWithShape="1">
+          <a:blip r:embed="rId2"/>
+          <a:srcRect r="3" b="4260"/>
+          <a:stretch/>
+        </p:blipFill>
+        <p:spPr>
+          <a:xfrm>
+            <a:off x="7473119" y="1136210"/>
+            <a:ext cx="3947584" cy="4031507"/>
+          </a:xfrm>
+          <a:prstGeom prst="rect">
+            <a:avLst/>
+          </a:prstGeom>
+          <a:effectLst/>
+        </p:spPr>
+      </p:pic>
       <p:sp>
         <p:nvSpPr>
           <p:cNvPr id="4" name="Footer Placeholder 3">
@@ -5475,24 +6880,26 @@
             <p:ph type="ftr" sz="quarter" idx="11"/>
           </p:nvPr>
         </p:nvSpPr>
-        <p:spPr/>
-        <p:txBody>
-          <a:bodyPr/>
+        <p:spPr>
+          <a:xfrm>
+            <a:off x="4038600" y="6356350"/>
+            <a:ext cx="4114800" cy="365125"/>
+          </a:xfrm>
+        </p:spPr>
+        <p:txBody>
+          <a:bodyPr>
+            <a:normAutofit/>
+          </a:bodyPr>
           <a:lstStyle/>
           <a:p>
             <a:pPr>
               <a:defRPr/>
             </a:pPr>
             <a:r>
-              <a:rPr kumimoji="0" lang="de-DE" sz="1200" b="0" i="0" u="none" strike="noStrike" kern="1200" cap="none" spc="0" normalizeH="0" baseline="0" noProof="0">
+              <a:rPr kumimoji="0" lang="de-DE" b="0" i="0" u="none" strike="noStrike" kern="1200" cap="none" spc="0" normalizeH="0" baseline="0" noProof="0">
                 <a:ln>
                   <a:noFill/>
                 </a:ln>
-                <a:solidFill>
-                  <a:prstClr val="black">
-                    <a:alpha val="80000"/>
-                  </a:prstClr>
-                </a:solidFill>
                 <a:effectLst/>
                 <a:uLnTx/>
                 <a:uFillTx/>
@@ -5503,26 +6910,16 @@
               <a:t>WS19/20 – </a:t>
             </a:r>
             <a:r>
-              <a:rPr lang="de-DE" sz="1200">
-                <a:solidFill>
-                  <a:prstClr val="black">
-                    <a:alpha val="80000"/>
-                  </a:prstClr>
-                </a:solidFill>
+              <a:rPr lang="de-DE">
                 <a:latin typeface="+mn-lt"/>
               </a:rPr>
               <a:t>ISO 27001</a:t>
             </a:r>
             <a:r>
-              <a:rPr kumimoji="0" lang="de-DE" sz="1200" b="0" i="0" u="none" strike="noStrike" kern="1200" cap="none" spc="0" normalizeH="0" baseline="0" noProof="0">
+              <a:rPr kumimoji="0" lang="de-DE" b="0" i="0" u="none" strike="noStrike" kern="1200" cap="none" spc="0" normalizeH="0" baseline="0" noProof="0">
                 <a:ln>
                   <a:noFill/>
                 </a:ln>
-                <a:solidFill>
-                  <a:prstClr val="black">
-                    <a:alpha val="80000"/>
-                  </a:prstClr>
-                </a:solidFill>
                 <a:effectLst/>
                 <a:uLnTx/>
                 <a:uFillTx/>
@@ -5532,22 +6929,6 @@
               </a:rPr>
               <a:t> - Hertel, Kossendey, Kühnert, Withöft</a:t>
             </a:r>
-            <a:endParaRPr kumimoji="0" lang="de-DE" sz="1200" b="0" i="0" u="none" strike="noStrike" kern="1200" cap="none" spc="0" normalizeH="0" baseline="0" noProof="0" dirty="0">
-              <a:ln>
-                <a:noFill/>
-              </a:ln>
-              <a:solidFill>
-                <a:prstClr val="black">
-                  <a:alpha val="80000"/>
-                </a:prstClr>
-              </a:solidFill>
-              <a:effectLst/>
-              <a:uLnTx/>
-              <a:uFillTx/>
-              <a:latin typeface="+mn-lt"/>
-              <a:ea typeface="+mn-ea"/>
-              <a:cs typeface="+mn-cs"/>
-            </a:endParaRPr>
           </a:p>
         </p:txBody>
       </p:sp>
@@ -5567,16 +6948,130 @@
             <p:ph type="sldNum" sz="quarter" idx="12"/>
           </p:nvPr>
         </p:nvSpPr>
-        <p:spPr/>
-        <p:txBody>
-          <a:bodyPr/>
-          <a:lstStyle/>
-          <a:p>
+        <p:spPr>
+          <a:xfrm>
+            <a:off x="8610600" y="6356350"/>
+            <a:ext cx="2743200" cy="365125"/>
+          </a:xfrm>
+        </p:spPr>
+        <p:txBody>
+          <a:bodyPr>
+            <a:normAutofit/>
+          </a:bodyPr>
+          <a:lstStyle/>
+          <a:p>
+            <a:pPr>
+              <a:spcAft>
+                <a:spcPts val="600"/>
+              </a:spcAft>
+            </a:pPr>
             <a:fld id="{969E759D-A893-4B96-8B48-96EE547EBC41}" type="slidenum">
               <a:rPr lang="de-DE" smtClean="0"/>
+              <a:pPr>
+                <a:spcAft>
+                  <a:spcPts val="600"/>
+                </a:spcAft>
+              </a:pPr>
               <a:t>4</a:t>
             </a:fld>
-            <a:endParaRPr lang="de-DE"/>
+            <a:endParaRPr lang="de-DE" dirty="0"/>
+          </a:p>
+        </p:txBody>
+      </p:sp>
+      <p:sp>
+        <p:nvSpPr>
+          <p:cNvPr id="61" name="TextBox 60">
+            <a:extLst>
+              <a:ext uri="{FF2B5EF4-FFF2-40B4-BE49-F238E27FC236}">
+                <a16:creationId xmlns:a16="http://schemas.microsoft.com/office/drawing/2014/main" id="{7C552DF8-A1BE-4B62-B2C7-8BFA4689CFD4}"/>
+              </a:ext>
+            </a:extLst>
+          </p:cNvPr>
+          <p:cNvSpPr txBox="1"/>
+          <p:nvPr/>
+        </p:nvSpPr>
+        <p:spPr>
+          <a:xfrm>
+            <a:off x="6480826" y="5251652"/>
+            <a:ext cx="5932170" cy="738664"/>
+          </a:xfrm>
+          <a:prstGeom prst="rect">
+            <a:avLst/>
+          </a:prstGeom>
+          <a:noFill/>
+        </p:spPr>
+        <p:txBody>
+          <a:bodyPr wrap="square" rtlCol="0">
+            <a:spAutoFit/>
+          </a:bodyPr>
+          <a:lstStyle/>
+          <a:p>
+            <a:pPr algn="ctr"/>
+            <a:r>
+              <a:rPr lang="en-NZ" sz="1000" dirty="0"/>
+              <a:t>Implementation Guideline ISO/IEC 27001:2013</a:t>
+            </a:r>
+          </a:p>
+          <a:p>
+            <a:pPr algn="ctr"/>
+            <a:r>
+              <a:rPr lang="en-NZ" sz="700" dirty="0">
+                <a:solidFill>
+                  <a:schemeClr val="bg1">
+                    <a:lumMod val="65000"/>
+                  </a:schemeClr>
+                </a:solidFill>
+              </a:rPr>
+              <a:t>Quelle: Implementation Guideline ISO/IEC 27001:2013 – </a:t>
+            </a:r>
+            <a:r>
+              <a:rPr lang="en-NZ" sz="700" dirty="0" err="1">
+                <a:solidFill>
+                  <a:schemeClr val="bg1">
+                    <a:lumMod val="65000"/>
+                  </a:schemeClr>
+                </a:solidFill>
+              </a:rPr>
+              <a:t>dpunkt.verlag</a:t>
+            </a:r>
+            <a:r>
+              <a:rPr lang="en-NZ" sz="700" dirty="0">
+                <a:solidFill>
+                  <a:schemeClr val="bg1">
+                    <a:lumMod val="65000"/>
+                  </a:schemeClr>
+                </a:solidFill>
+              </a:rPr>
+              <a:t> </a:t>
+            </a:r>
+            <a:r>
+              <a:rPr lang="en-NZ" sz="700" dirty="0" err="1">
+                <a:solidFill>
+                  <a:schemeClr val="bg1">
+                    <a:lumMod val="65000"/>
+                  </a:schemeClr>
+                </a:solidFill>
+              </a:rPr>
+              <a:t>Juli</a:t>
+            </a:r>
+            <a:r>
+              <a:rPr lang="en-NZ" sz="700" dirty="0">
+                <a:solidFill>
+                  <a:schemeClr val="bg1">
+                    <a:lumMod val="65000"/>
+                  </a:schemeClr>
+                </a:solidFill>
+              </a:rPr>
+              <a:t> 2016</a:t>
+            </a:r>
+          </a:p>
+          <a:p>
+            <a:pPr algn="ctr"/>
+            <a:endParaRPr lang="en-NZ" sz="700" dirty="0"/>
+          </a:p>
+          <a:p>
+            <a:pPr algn="ctr"/>
+            <a:endParaRPr lang="en-NZ" dirty="0"/>
           </a:p>
         </p:txBody>
       </p:sp>
@@ -5594,6 +7089,939 @@
 </file>
 
 <file path=ppt/slides/slide5.xml><?xml version="1.0" encoding="utf-8"?>
+<p:sld xmlns:a="http://schemas.openxmlformats.org/drawingml/2006/main" xmlns:r="http://schemas.openxmlformats.org/officeDocument/2006/relationships" xmlns:p="http://schemas.openxmlformats.org/presentationml/2006/main">
+  <p:cSld>
+    <p:spTree>
+      <p:nvGrpSpPr>
+        <p:cNvPr id="1" name=""/>
+        <p:cNvGrpSpPr/>
+        <p:nvPr/>
+      </p:nvGrpSpPr>
+      <p:grpSpPr>
+        <a:xfrm>
+          <a:off x="0" y="0"/>
+          <a:ext cx="0" cy="0"/>
+          <a:chOff x="0" y="0"/>
+          <a:chExt cx="0" cy="0"/>
+        </a:xfrm>
+      </p:grpSpPr>
+      <p:pic>
+        <p:nvPicPr>
+          <p:cNvPr id="6" name="Content Placeholder 5">
+            <a:extLst>
+              <a:ext uri="{FF2B5EF4-FFF2-40B4-BE49-F238E27FC236}">
+                <a16:creationId xmlns:a16="http://schemas.microsoft.com/office/drawing/2014/main" id="{BC22F225-6767-4215-B64B-905329CB2125}"/>
+              </a:ext>
+            </a:extLst>
+          </p:cNvPr>
+          <p:cNvPicPr>
+            <a:picLocks noGrp="1" noChangeAspect="1"/>
+          </p:cNvPicPr>
+          <p:nvPr>
+            <p:ph idx="1"/>
+          </p:nvPr>
+        </p:nvPicPr>
+        <p:blipFill>
+          <a:blip r:embed="rId2"/>
+          <a:stretch>
+            <a:fillRect/>
+          </a:stretch>
+        </p:blipFill>
+        <p:spPr>
+          <a:xfrm>
+            <a:off x="1879434" y="236220"/>
+            <a:ext cx="8433131" cy="4933950"/>
+          </a:xfrm>
+          <a:prstGeom prst="rect">
+            <a:avLst/>
+          </a:prstGeom>
+        </p:spPr>
+      </p:pic>
+      <p:sp>
+        <p:nvSpPr>
+          <p:cNvPr id="4" name="Footer Placeholder 3">
+            <a:extLst>
+              <a:ext uri="{FF2B5EF4-FFF2-40B4-BE49-F238E27FC236}">
+                <a16:creationId xmlns:a16="http://schemas.microsoft.com/office/drawing/2014/main" id="{2E33C081-6266-4C11-9D0B-750B1D392120}"/>
+              </a:ext>
+            </a:extLst>
+          </p:cNvPr>
+          <p:cNvSpPr>
+            <a:spLocks noGrp="1"/>
+          </p:cNvSpPr>
+          <p:nvPr>
+            <p:ph type="ftr" sz="quarter" idx="11"/>
+          </p:nvPr>
+        </p:nvSpPr>
+        <p:spPr>
+          <a:xfrm>
+            <a:off x="4038600" y="6356350"/>
+            <a:ext cx="4114800" cy="365125"/>
+          </a:xfrm>
+        </p:spPr>
+        <p:txBody>
+          <a:bodyPr/>
+          <a:lstStyle/>
+          <a:p>
+            <a:pPr algn="ctr">
+              <a:defRPr/>
+            </a:pPr>
+            <a:r>
+              <a:rPr lang="de-DE"/>
+              <a:t>WS19/20 – ISO 27001 - Hertel, Kossendey, Kühnert, Withöft</a:t>
+            </a:r>
+            <a:endParaRPr lang="de-DE" dirty="0"/>
+          </a:p>
+        </p:txBody>
+      </p:sp>
+      <p:sp>
+        <p:nvSpPr>
+          <p:cNvPr id="5" name="Slide Number Placeholder 4">
+            <a:extLst>
+              <a:ext uri="{FF2B5EF4-FFF2-40B4-BE49-F238E27FC236}">
+                <a16:creationId xmlns:a16="http://schemas.microsoft.com/office/drawing/2014/main" id="{24CFEEFD-447E-4794-B4C4-7735710D4D0E}"/>
+              </a:ext>
+            </a:extLst>
+          </p:cNvPr>
+          <p:cNvSpPr>
+            <a:spLocks noGrp="1"/>
+          </p:cNvSpPr>
+          <p:nvPr>
+            <p:ph type="sldNum" sz="quarter" idx="12"/>
+          </p:nvPr>
+        </p:nvSpPr>
+        <p:spPr>
+          <a:xfrm>
+            <a:off x="8610600" y="6356350"/>
+            <a:ext cx="2743200" cy="365125"/>
+          </a:xfrm>
+        </p:spPr>
+        <p:txBody>
+          <a:bodyPr/>
+          <a:lstStyle/>
+          <a:p>
+            <a:fld id="{969E759D-A893-4B96-8B48-96EE547EBC41}" type="slidenum">
+              <a:rPr lang="de-DE" smtClean="0"/>
+              <a:t>5</a:t>
+            </a:fld>
+            <a:endParaRPr lang="de-DE"/>
+          </a:p>
+        </p:txBody>
+      </p:sp>
+      <p:sp>
+        <p:nvSpPr>
+          <p:cNvPr id="7" name="TextBox 6">
+            <a:extLst>
+              <a:ext uri="{FF2B5EF4-FFF2-40B4-BE49-F238E27FC236}">
+                <a16:creationId xmlns:a16="http://schemas.microsoft.com/office/drawing/2014/main" id="{2BC8AE4E-47C1-4863-BDA7-DF1B7D76310C}"/>
+              </a:ext>
+            </a:extLst>
+          </p:cNvPr>
+          <p:cNvSpPr txBox="1"/>
+          <p:nvPr/>
+        </p:nvSpPr>
+        <p:spPr>
+          <a:xfrm>
+            <a:off x="3129914" y="5170170"/>
+            <a:ext cx="5932170" cy="738664"/>
+          </a:xfrm>
+          <a:prstGeom prst="rect">
+            <a:avLst/>
+          </a:prstGeom>
+          <a:noFill/>
+        </p:spPr>
+        <p:txBody>
+          <a:bodyPr wrap="square" rtlCol="0">
+            <a:spAutoFit/>
+          </a:bodyPr>
+          <a:lstStyle/>
+          <a:p>
+            <a:pPr algn="ctr"/>
+            <a:r>
+              <a:rPr lang="en-NZ" sz="1000" dirty="0"/>
+              <a:t>Components of an ISMS with ISO/IEC 27001:2013</a:t>
+            </a:r>
+          </a:p>
+          <a:p>
+            <a:pPr algn="ctr"/>
+            <a:r>
+              <a:rPr lang="en-NZ" sz="700" dirty="0">
+                <a:solidFill>
+                  <a:schemeClr val="bg1">
+                    <a:lumMod val="65000"/>
+                  </a:schemeClr>
+                </a:solidFill>
+              </a:rPr>
+              <a:t>Quelle: Implementation Guideline ISO/IEC 27001:2013 – </a:t>
+            </a:r>
+            <a:r>
+              <a:rPr lang="en-NZ" sz="700" dirty="0" err="1">
+                <a:solidFill>
+                  <a:schemeClr val="bg1">
+                    <a:lumMod val="65000"/>
+                  </a:schemeClr>
+                </a:solidFill>
+              </a:rPr>
+              <a:t>dpunkt.verlag</a:t>
+            </a:r>
+            <a:r>
+              <a:rPr lang="en-NZ" sz="700" dirty="0">
+                <a:solidFill>
+                  <a:schemeClr val="bg1">
+                    <a:lumMod val="65000"/>
+                  </a:schemeClr>
+                </a:solidFill>
+              </a:rPr>
+              <a:t> </a:t>
+            </a:r>
+            <a:r>
+              <a:rPr lang="en-NZ" sz="700" dirty="0" err="1">
+                <a:solidFill>
+                  <a:schemeClr val="bg1">
+                    <a:lumMod val="65000"/>
+                  </a:schemeClr>
+                </a:solidFill>
+              </a:rPr>
+              <a:t>Juli</a:t>
+            </a:r>
+            <a:r>
+              <a:rPr lang="en-NZ" sz="700" dirty="0">
+                <a:solidFill>
+                  <a:schemeClr val="bg1">
+                    <a:lumMod val="65000"/>
+                  </a:schemeClr>
+                </a:solidFill>
+              </a:rPr>
+              <a:t> 2016</a:t>
+            </a:r>
+          </a:p>
+          <a:p>
+            <a:pPr algn="ctr"/>
+            <a:endParaRPr lang="en-NZ" sz="700" dirty="0"/>
+          </a:p>
+          <a:p>
+            <a:pPr algn="ctr"/>
+            <a:endParaRPr lang="en-NZ" dirty="0"/>
+          </a:p>
+        </p:txBody>
+      </p:sp>
+    </p:spTree>
+    <p:extLst>
+      <p:ext uri="{BB962C8B-B14F-4D97-AF65-F5344CB8AC3E}">
+        <p14:creationId xmlns:p14="http://schemas.microsoft.com/office/powerpoint/2010/main" val="3174494396"/>
+      </p:ext>
+    </p:extLst>
+  </p:cSld>
+  <p:clrMapOvr>
+    <a:masterClrMapping/>
+  </p:clrMapOvr>
+</p:sld>
+</file>
+
+<file path=ppt/slides/slide6.xml><?xml version="1.0" encoding="utf-8"?>
+<p:sld xmlns:a="http://schemas.openxmlformats.org/drawingml/2006/main" xmlns:r="http://schemas.openxmlformats.org/officeDocument/2006/relationships" xmlns:p="http://schemas.openxmlformats.org/presentationml/2006/main">
+  <p:cSld>
+    <p:bg>
+      <p:bgPr>
+        <a:solidFill>
+          <a:schemeClr val="tx1"/>
+        </a:solidFill>
+        <a:effectLst/>
+      </p:bgPr>
+    </p:bg>
+    <p:spTree>
+      <p:nvGrpSpPr>
+        <p:cNvPr id="1" name=""/>
+        <p:cNvGrpSpPr/>
+        <p:nvPr/>
+      </p:nvGrpSpPr>
+      <p:grpSpPr>
+        <a:xfrm>
+          <a:off x="0" y="0"/>
+          <a:ext cx="0" cy="0"/>
+          <a:chOff x="0" y="0"/>
+          <a:chExt cx="0" cy="0"/>
+        </a:xfrm>
+      </p:grpSpPr>
+      <p:sp>
+        <p:nvSpPr>
+          <p:cNvPr id="2" name="Title 1">
+            <a:extLst>
+              <a:ext uri="{FF2B5EF4-FFF2-40B4-BE49-F238E27FC236}">
+                <a16:creationId xmlns:a16="http://schemas.microsoft.com/office/drawing/2014/main" id="{0A656819-335B-4710-8229-0246A9E4E282}"/>
+              </a:ext>
+            </a:extLst>
+          </p:cNvPr>
+          <p:cNvSpPr>
+            <a:spLocks noGrp="1"/>
+          </p:cNvSpPr>
+          <p:nvPr>
+            <p:ph type="title"/>
+          </p:nvPr>
+        </p:nvSpPr>
+        <p:spPr/>
+        <p:txBody>
+          <a:bodyPr/>
+          <a:lstStyle/>
+          <a:p>
+            <a:r>
+              <a:rPr lang="en-NZ" dirty="0">
+                <a:solidFill>
+                  <a:schemeClr val="bg1"/>
+                </a:solidFill>
+              </a:rPr>
+              <a:t>ISO 27001 - </a:t>
+            </a:r>
+            <a:r>
+              <a:rPr lang="en-NZ" dirty="0" err="1">
+                <a:solidFill>
+                  <a:schemeClr val="bg1"/>
+                </a:solidFill>
+              </a:rPr>
+              <a:t>Vorteile</a:t>
+            </a:r>
+            <a:endParaRPr lang="en-NZ" dirty="0">
+              <a:solidFill>
+                <a:schemeClr val="bg1"/>
+              </a:solidFill>
+            </a:endParaRPr>
+          </a:p>
+        </p:txBody>
+      </p:sp>
+      <p:sp>
+        <p:nvSpPr>
+          <p:cNvPr id="3" name="Content Placeholder 2">
+            <a:extLst>
+              <a:ext uri="{FF2B5EF4-FFF2-40B4-BE49-F238E27FC236}">
+                <a16:creationId xmlns:a16="http://schemas.microsoft.com/office/drawing/2014/main" id="{34CD6BCF-95B7-430E-A99D-A083F913DCA0}"/>
+              </a:ext>
+            </a:extLst>
+          </p:cNvPr>
+          <p:cNvSpPr>
+            <a:spLocks noGrp="1"/>
+          </p:cNvSpPr>
+          <p:nvPr>
+            <p:ph idx="1"/>
+          </p:nvPr>
+        </p:nvSpPr>
+        <p:spPr/>
+        <p:txBody>
+          <a:bodyPr>
+            <a:normAutofit fontScale="92500" lnSpcReduction="10000"/>
+          </a:bodyPr>
+          <a:lstStyle/>
+          <a:p>
+            <a:r>
+              <a:rPr lang="en-NZ" dirty="0" err="1">
+                <a:solidFill>
+                  <a:schemeClr val="bg1"/>
+                </a:solidFill>
+              </a:rPr>
+              <a:t>Betriebs</a:t>
+            </a:r>
+            <a:r>
+              <a:rPr lang="en-NZ" dirty="0">
+                <a:solidFill>
+                  <a:schemeClr val="bg1"/>
+                </a:solidFill>
+              </a:rPr>
+              <a:t>- und </a:t>
+            </a:r>
+            <a:r>
+              <a:rPr lang="en-NZ" dirty="0" err="1">
+                <a:solidFill>
+                  <a:schemeClr val="bg1"/>
+                </a:solidFill>
+              </a:rPr>
+              <a:t>bereichs</a:t>
+            </a:r>
+            <a:r>
+              <a:rPr lang="en-NZ" dirty="0">
+                <a:solidFill>
+                  <a:schemeClr val="bg1"/>
+                </a:solidFill>
+              </a:rPr>
+              <a:t>-, und </a:t>
+            </a:r>
+            <a:r>
+              <a:rPr lang="en-NZ" dirty="0" err="1">
+                <a:solidFill>
+                  <a:schemeClr val="bg1"/>
+                </a:solidFill>
+              </a:rPr>
+              <a:t>technologieunabhängig</a:t>
+            </a:r>
+            <a:endParaRPr lang="en-NZ" dirty="0">
+              <a:solidFill>
+                <a:schemeClr val="bg1"/>
+              </a:solidFill>
+            </a:endParaRPr>
+          </a:p>
+          <a:p>
+            <a:pPr lvl="1"/>
+            <a:r>
+              <a:rPr lang="en-NZ" dirty="0" err="1">
+                <a:solidFill>
+                  <a:schemeClr val="bg1"/>
+                </a:solidFill>
+              </a:rPr>
+              <a:t>Berücksichtigt</a:t>
+            </a:r>
+            <a:r>
+              <a:rPr lang="en-NZ" dirty="0">
+                <a:solidFill>
+                  <a:schemeClr val="bg1"/>
+                </a:solidFill>
+              </a:rPr>
+              <a:t> </a:t>
+            </a:r>
+            <a:r>
+              <a:rPr lang="en-NZ" dirty="0" err="1">
+                <a:solidFill>
+                  <a:schemeClr val="bg1"/>
+                </a:solidFill>
+              </a:rPr>
+              <a:t>individuelle</a:t>
+            </a:r>
+            <a:r>
+              <a:rPr lang="en-NZ" dirty="0">
+                <a:solidFill>
+                  <a:schemeClr val="bg1"/>
+                </a:solidFill>
+              </a:rPr>
+              <a:t> </a:t>
+            </a:r>
+            <a:r>
+              <a:rPr lang="en-NZ" dirty="0" err="1">
+                <a:solidFill>
+                  <a:schemeClr val="bg1"/>
+                </a:solidFill>
+              </a:rPr>
+              <a:t>Besonderheiten</a:t>
+            </a:r>
+            <a:endParaRPr lang="en-NZ" dirty="0">
+              <a:solidFill>
+                <a:schemeClr val="bg1"/>
+              </a:solidFill>
+            </a:endParaRPr>
+          </a:p>
+          <a:p>
+            <a:r>
+              <a:rPr lang="en-NZ" dirty="0" err="1">
+                <a:solidFill>
+                  <a:schemeClr val="bg1"/>
+                </a:solidFill>
+              </a:rPr>
+              <a:t>Minimierung</a:t>
+            </a:r>
+            <a:r>
+              <a:rPr lang="en-NZ" dirty="0">
+                <a:solidFill>
+                  <a:schemeClr val="bg1"/>
+                </a:solidFill>
+              </a:rPr>
+              <a:t> von </a:t>
+            </a:r>
+            <a:r>
+              <a:rPr lang="en-NZ" dirty="0" err="1">
+                <a:solidFill>
+                  <a:schemeClr val="bg1"/>
+                </a:solidFill>
+              </a:rPr>
+              <a:t>Haftungsrisiken</a:t>
+            </a:r>
+            <a:endParaRPr lang="en-NZ" dirty="0">
+              <a:solidFill>
+                <a:schemeClr val="bg1"/>
+              </a:solidFill>
+            </a:endParaRPr>
+          </a:p>
+          <a:p>
+            <a:r>
+              <a:rPr lang="en-NZ" dirty="0" err="1">
+                <a:solidFill>
+                  <a:schemeClr val="bg1"/>
+                </a:solidFill>
+              </a:rPr>
+              <a:t>Minimierung</a:t>
+            </a:r>
+            <a:r>
+              <a:rPr lang="en-NZ" dirty="0">
+                <a:solidFill>
+                  <a:schemeClr val="bg1"/>
+                </a:solidFill>
+              </a:rPr>
+              <a:t> von </a:t>
+            </a:r>
+            <a:r>
+              <a:rPr lang="en-NZ" dirty="0" err="1">
+                <a:solidFill>
+                  <a:schemeClr val="bg1"/>
+                </a:solidFill>
+              </a:rPr>
+              <a:t>Geschäftsrisiken</a:t>
+            </a:r>
+            <a:endParaRPr lang="en-NZ" dirty="0">
+              <a:solidFill>
+                <a:schemeClr val="bg1"/>
+              </a:solidFill>
+            </a:endParaRPr>
+          </a:p>
+          <a:p>
+            <a:r>
+              <a:rPr lang="en-NZ" dirty="0" err="1">
+                <a:solidFill>
+                  <a:schemeClr val="bg1"/>
+                </a:solidFill>
+              </a:rPr>
+              <a:t>Senkung</a:t>
+            </a:r>
+            <a:r>
+              <a:rPr lang="en-NZ" dirty="0">
+                <a:solidFill>
+                  <a:schemeClr val="bg1"/>
+                </a:solidFill>
+              </a:rPr>
+              <a:t> von </a:t>
+            </a:r>
+            <a:r>
+              <a:rPr lang="en-NZ" dirty="0" err="1">
+                <a:solidFill>
+                  <a:schemeClr val="bg1"/>
+                </a:solidFill>
+              </a:rPr>
+              <a:t>Versicherungsprämien</a:t>
+            </a:r>
+            <a:endParaRPr lang="en-NZ" dirty="0">
+              <a:solidFill>
+                <a:schemeClr val="bg1"/>
+              </a:solidFill>
+            </a:endParaRPr>
+          </a:p>
+          <a:p>
+            <a:r>
+              <a:rPr lang="en-NZ" dirty="0" err="1">
+                <a:solidFill>
+                  <a:schemeClr val="bg1"/>
+                </a:solidFill>
+              </a:rPr>
+              <a:t>Optimierung</a:t>
+            </a:r>
+            <a:r>
+              <a:rPr lang="en-NZ" dirty="0">
+                <a:solidFill>
+                  <a:schemeClr val="bg1"/>
+                </a:solidFill>
+              </a:rPr>
+              <a:t> von </a:t>
+            </a:r>
+            <a:r>
+              <a:rPr lang="en-NZ" dirty="0" err="1">
+                <a:solidFill>
+                  <a:schemeClr val="bg1"/>
+                </a:solidFill>
+              </a:rPr>
+              <a:t>Prozess</a:t>
+            </a:r>
+            <a:r>
+              <a:rPr lang="en-NZ" dirty="0">
+                <a:solidFill>
+                  <a:schemeClr val="bg1"/>
+                </a:solidFill>
+              </a:rPr>
+              <a:t>- und IT-</a:t>
+            </a:r>
+            <a:r>
+              <a:rPr lang="en-NZ" dirty="0" err="1">
+                <a:solidFill>
+                  <a:schemeClr val="bg1"/>
+                </a:solidFill>
+              </a:rPr>
+              <a:t>Kosten</a:t>
+            </a:r>
+            <a:endParaRPr lang="en-NZ" dirty="0">
+              <a:solidFill>
+                <a:schemeClr val="bg1"/>
+              </a:solidFill>
+            </a:endParaRPr>
+          </a:p>
+          <a:p>
+            <a:r>
+              <a:rPr lang="en-NZ" dirty="0" err="1">
+                <a:solidFill>
+                  <a:schemeClr val="bg1"/>
+                </a:solidFill>
+              </a:rPr>
+              <a:t>Steigerung</a:t>
+            </a:r>
+            <a:r>
+              <a:rPr lang="en-NZ" dirty="0">
+                <a:solidFill>
+                  <a:schemeClr val="bg1"/>
+                </a:solidFill>
+              </a:rPr>
+              <a:t> der </a:t>
+            </a:r>
+            <a:r>
+              <a:rPr lang="en-NZ" dirty="0" err="1">
+                <a:solidFill>
+                  <a:schemeClr val="bg1"/>
+                </a:solidFill>
+              </a:rPr>
+              <a:t>Wettbewerbsfähigkeit</a:t>
+            </a:r>
+            <a:endParaRPr lang="en-NZ" dirty="0">
+              <a:solidFill>
+                <a:schemeClr val="bg1"/>
+              </a:solidFill>
+            </a:endParaRPr>
+          </a:p>
+          <a:p>
+            <a:r>
+              <a:rPr lang="en-NZ" dirty="0" err="1">
+                <a:solidFill>
+                  <a:schemeClr val="bg1"/>
+                </a:solidFill>
+              </a:rPr>
+              <a:t>Schaffung</a:t>
+            </a:r>
+            <a:r>
+              <a:rPr lang="en-NZ" dirty="0">
+                <a:solidFill>
+                  <a:schemeClr val="bg1"/>
+                </a:solidFill>
+              </a:rPr>
+              <a:t> von </a:t>
+            </a:r>
+            <a:r>
+              <a:rPr lang="en-NZ" dirty="0" err="1">
+                <a:solidFill>
+                  <a:schemeClr val="bg1"/>
+                </a:solidFill>
+              </a:rPr>
+              <a:t>Vertrauen</a:t>
+            </a:r>
+            <a:r>
+              <a:rPr lang="en-NZ" dirty="0">
+                <a:solidFill>
+                  <a:schemeClr val="bg1"/>
+                </a:solidFill>
+              </a:rPr>
+              <a:t> </a:t>
+            </a:r>
+            <a:r>
+              <a:rPr lang="en-NZ" dirty="0" err="1">
+                <a:solidFill>
+                  <a:schemeClr val="bg1"/>
+                </a:solidFill>
+              </a:rPr>
+              <a:t>bei</a:t>
+            </a:r>
+            <a:r>
+              <a:rPr lang="en-NZ" dirty="0">
+                <a:solidFill>
+                  <a:schemeClr val="bg1"/>
+                </a:solidFill>
+              </a:rPr>
+              <a:t> </a:t>
+            </a:r>
+            <a:r>
+              <a:rPr lang="en-NZ" dirty="0" err="1">
+                <a:solidFill>
+                  <a:schemeClr val="bg1"/>
+                </a:solidFill>
+              </a:rPr>
+              <a:t>Kunden</a:t>
+            </a:r>
+            <a:r>
+              <a:rPr lang="en-NZ" dirty="0">
+                <a:solidFill>
+                  <a:schemeClr val="bg1"/>
+                </a:solidFill>
+              </a:rPr>
+              <a:t>, </a:t>
+            </a:r>
+            <a:r>
+              <a:rPr lang="en-NZ" dirty="0" err="1">
+                <a:solidFill>
+                  <a:schemeClr val="bg1"/>
+                </a:solidFill>
+              </a:rPr>
+              <a:t>Geschäftspartnern</a:t>
+            </a:r>
+            <a:r>
+              <a:rPr lang="en-NZ" dirty="0">
+                <a:solidFill>
+                  <a:schemeClr val="bg1"/>
+                </a:solidFill>
+              </a:rPr>
+              <a:t> etc.</a:t>
+            </a:r>
+          </a:p>
+          <a:p>
+            <a:r>
+              <a:rPr lang="en-NZ" dirty="0" err="1">
+                <a:solidFill>
+                  <a:schemeClr val="bg1"/>
+                </a:solidFill>
+              </a:rPr>
+              <a:t>Frühzeitige</a:t>
+            </a:r>
+            <a:r>
+              <a:rPr lang="en-NZ" dirty="0">
+                <a:solidFill>
+                  <a:schemeClr val="bg1"/>
+                </a:solidFill>
+              </a:rPr>
+              <a:t> </a:t>
+            </a:r>
+            <a:r>
+              <a:rPr lang="en-NZ" dirty="0" err="1">
+                <a:solidFill>
+                  <a:schemeClr val="bg1"/>
+                </a:solidFill>
+              </a:rPr>
+              <a:t>Erkennung</a:t>
+            </a:r>
+            <a:r>
+              <a:rPr lang="en-NZ" dirty="0">
+                <a:solidFill>
+                  <a:schemeClr val="bg1"/>
+                </a:solidFill>
+              </a:rPr>
+              <a:t> von </a:t>
+            </a:r>
+            <a:r>
+              <a:rPr lang="en-NZ" dirty="0" err="1">
+                <a:solidFill>
+                  <a:schemeClr val="bg1"/>
+                </a:solidFill>
+              </a:rPr>
+              <a:t>Bedrohungen</a:t>
+            </a:r>
+            <a:r>
+              <a:rPr lang="en-NZ" dirty="0">
+                <a:solidFill>
+                  <a:schemeClr val="bg1"/>
+                </a:solidFill>
+              </a:rPr>
+              <a:t> und </a:t>
+            </a:r>
+            <a:r>
+              <a:rPr lang="en-NZ" dirty="0" err="1">
+                <a:solidFill>
+                  <a:schemeClr val="bg1"/>
+                </a:solidFill>
+              </a:rPr>
+              <a:t>deren</a:t>
+            </a:r>
+            <a:r>
+              <a:rPr lang="en-NZ" dirty="0">
+                <a:solidFill>
+                  <a:schemeClr val="bg1"/>
+                </a:solidFill>
+              </a:rPr>
+              <a:t> </a:t>
+            </a:r>
+            <a:r>
+              <a:rPr lang="en-NZ" dirty="0" err="1">
+                <a:solidFill>
+                  <a:schemeClr val="bg1"/>
+                </a:solidFill>
+              </a:rPr>
+              <a:t>Reduzierung</a:t>
+            </a:r>
+            <a:endParaRPr lang="en-NZ" dirty="0">
+              <a:solidFill>
+                <a:schemeClr val="bg1"/>
+              </a:solidFill>
+            </a:endParaRPr>
+          </a:p>
+          <a:p>
+            <a:r>
+              <a:rPr lang="en-NZ" dirty="0">
+                <a:solidFill>
+                  <a:schemeClr val="bg1"/>
+                </a:solidFill>
+              </a:rPr>
+              <a:t>Schutz </a:t>
+            </a:r>
+            <a:r>
+              <a:rPr lang="en-NZ" dirty="0" err="1">
+                <a:solidFill>
+                  <a:schemeClr val="bg1"/>
+                </a:solidFill>
+              </a:rPr>
+              <a:t>vor</a:t>
+            </a:r>
+            <a:r>
+              <a:rPr lang="en-NZ" dirty="0">
+                <a:solidFill>
+                  <a:schemeClr val="bg1"/>
+                </a:solidFill>
+              </a:rPr>
+              <a:t> </a:t>
+            </a:r>
+            <a:r>
+              <a:rPr lang="en-NZ" dirty="0" err="1">
+                <a:solidFill>
+                  <a:schemeClr val="bg1"/>
+                </a:solidFill>
+              </a:rPr>
+              <a:t>Missbrauch</a:t>
+            </a:r>
+            <a:r>
+              <a:rPr lang="en-NZ" dirty="0">
+                <a:solidFill>
+                  <a:schemeClr val="bg1"/>
+                </a:solidFill>
+              </a:rPr>
+              <a:t> von </a:t>
+            </a:r>
+            <a:r>
+              <a:rPr lang="en-NZ" dirty="0" err="1">
+                <a:solidFill>
+                  <a:schemeClr val="bg1"/>
+                </a:solidFill>
+              </a:rPr>
+              <a:t>Daten</a:t>
+            </a:r>
+            <a:r>
+              <a:rPr lang="en-NZ" dirty="0">
+                <a:solidFill>
+                  <a:schemeClr val="bg1"/>
+                </a:solidFill>
+              </a:rPr>
+              <a:t>, </a:t>
+            </a:r>
+            <a:r>
+              <a:rPr lang="en-NZ" dirty="0" err="1">
+                <a:solidFill>
+                  <a:schemeClr val="bg1"/>
+                </a:solidFill>
+              </a:rPr>
+              <a:t>Verlust</a:t>
+            </a:r>
+            <a:r>
+              <a:rPr lang="en-NZ" dirty="0">
+                <a:solidFill>
+                  <a:schemeClr val="bg1"/>
+                </a:solidFill>
+              </a:rPr>
+              <a:t> </a:t>
+            </a:r>
+            <a:r>
+              <a:rPr lang="en-NZ" dirty="0" err="1">
+                <a:solidFill>
+                  <a:schemeClr val="bg1"/>
+                </a:solidFill>
+              </a:rPr>
+              <a:t>oder</a:t>
+            </a:r>
+            <a:r>
+              <a:rPr lang="en-NZ" dirty="0">
+                <a:solidFill>
+                  <a:schemeClr val="bg1"/>
+                </a:solidFill>
+              </a:rPr>
+              <a:t> </a:t>
+            </a:r>
+            <a:r>
+              <a:rPr lang="en-NZ" dirty="0" err="1">
+                <a:solidFill>
+                  <a:schemeClr val="bg1"/>
+                </a:solidFill>
+              </a:rPr>
+              <a:t>Offenlegung</a:t>
+            </a:r>
+            <a:endParaRPr lang="en-NZ" dirty="0">
+              <a:solidFill>
+                <a:schemeClr val="bg1"/>
+              </a:solidFill>
+            </a:endParaRPr>
+          </a:p>
+          <a:p>
+            <a:pPr lvl="1"/>
+            <a:endParaRPr lang="en-NZ" dirty="0">
+              <a:solidFill>
+                <a:schemeClr val="bg1"/>
+              </a:solidFill>
+            </a:endParaRPr>
+          </a:p>
+        </p:txBody>
+      </p:sp>
+      <p:sp>
+        <p:nvSpPr>
+          <p:cNvPr id="4" name="Footer Placeholder 3">
+            <a:extLst>
+              <a:ext uri="{FF2B5EF4-FFF2-40B4-BE49-F238E27FC236}">
+                <a16:creationId xmlns:a16="http://schemas.microsoft.com/office/drawing/2014/main" id="{FA0DBCA0-420B-4E64-A960-1666C923C72E}"/>
+              </a:ext>
+            </a:extLst>
+          </p:cNvPr>
+          <p:cNvSpPr>
+            <a:spLocks noGrp="1"/>
+          </p:cNvSpPr>
+          <p:nvPr>
+            <p:ph type="ftr" sz="quarter" idx="11"/>
+          </p:nvPr>
+        </p:nvSpPr>
+        <p:spPr/>
+        <p:txBody>
+          <a:bodyPr/>
+          <a:lstStyle/>
+          <a:p>
+            <a:r>
+              <a:rPr lang="de-DE"/>
+              <a:t>WS19/20 – ISO 27001 - Hertel, Kossendey, Kühnert, Withöft</a:t>
+            </a:r>
+          </a:p>
+        </p:txBody>
+      </p:sp>
+      <p:sp>
+        <p:nvSpPr>
+          <p:cNvPr id="5" name="Slide Number Placeholder 4">
+            <a:extLst>
+              <a:ext uri="{FF2B5EF4-FFF2-40B4-BE49-F238E27FC236}">
+                <a16:creationId xmlns:a16="http://schemas.microsoft.com/office/drawing/2014/main" id="{956646B8-2127-4CDC-8F20-C19AB6DE5FA3}"/>
+              </a:ext>
+            </a:extLst>
+          </p:cNvPr>
+          <p:cNvSpPr>
+            <a:spLocks noGrp="1"/>
+          </p:cNvSpPr>
+          <p:nvPr>
+            <p:ph type="sldNum" sz="quarter" idx="12"/>
+          </p:nvPr>
+        </p:nvSpPr>
+        <p:spPr/>
+        <p:txBody>
+          <a:bodyPr/>
+          <a:lstStyle/>
+          <a:p>
+            <a:fld id="{969E759D-A893-4B96-8B48-96EE547EBC41}" type="slidenum">
+              <a:rPr lang="de-DE"/>
+              <a:pPr/>
+              <a:t>6</a:t>
+            </a:fld>
+            <a:endParaRPr lang="de-DE"/>
+          </a:p>
+        </p:txBody>
+      </p:sp>
+    </p:spTree>
+    <p:extLst>
+      <p:ext uri="{BB962C8B-B14F-4D97-AF65-F5344CB8AC3E}">
+        <p14:creationId xmlns:p14="http://schemas.microsoft.com/office/powerpoint/2010/main" val="3426750689"/>
+      </p:ext>
+    </p:extLst>
+  </p:cSld>
+  <p:clrMapOvr>
+    <a:overrideClrMapping bg1="dk1" tx1="lt1" bg2="dk2" tx2="lt2" accent1="accent1" accent2="accent2" accent3="accent3" accent4="accent4" accent5="accent5" accent6="accent6" hlink="hlink" folHlink="folHlink"/>
+  </p:clrMapOvr>
+</p:sld>
+</file>
+
+<file path=ppt/slides/slide7.xml><?xml version="1.0" encoding="utf-8"?>
 <p:sld xmlns:a="http://schemas.openxmlformats.org/drawingml/2006/main" xmlns:r="http://schemas.openxmlformats.org/officeDocument/2006/relationships" xmlns:p="http://schemas.openxmlformats.org/presentationml/2006/main">
   <p:cSld>
     <p:bg>
@@ -6248,7 +8676,7 @@
                 <a:tabLst/>
                 <a:defRPr/>
               </a:pPr>
-              <a:t>5</a:t>
+              <a:t>7</a:t>
             </a:fld>
             <a:endParaRPr kumimoji="0" lang="en-US" sz="1500" b="0" i="0" u="none" strike="noStrike" kern="1200" cap="none" spc="0" normalizeH="0" baseline="0" noProof="0">
               <a:ln>
@@ -6280,7 +8708,7 @@
 </p:sld>
 </file>
 
-<file path=ppt/slides/slide6.xml><?xml version="1.0" encoding="utf-8"?>
+<file path=ppt/slides/slide8.xml><?xml version="1.0" encoding="utf-8"?>
 <p:sld xmlns:a="http://schemas.openxmlformats.org/drawingml/2006/main" xmlns:r="http://schemas.openxmlformats.org/officeDocument/2006/relationships" xmlns:p="http://schemas.openxmlformats.org/presentationml/2006/main">
   <p:cSld>
     <p:bg>
@@ -6946,7 +9374,7 @@
                 <a:tabLst/>
                 <a:defRPr/>
               </a:pPr>
-              <a:t>6</a:t>
+              <a:t>8</a:t>
             </a:fld>
             <a:endParaRPr kumimoji="0" lang="en-US" sz="1500" b="0" i="0" u="none" strike="noStrike" kern="1200" cap="none" spc="0" normalizeH="0" baseline="0" noProof="0">
               <a:ln>
@@ -6978,7 +9406,7 @@
 </p:sld>
 </file>
 
-<file path=ppt/slides/slide7.xml><?xml version="1.0" encoding="utf-8"?>
+<file path=ppt/slides/slide9.xml><?xml version="1.0" encoding="utf-8"?>
 <p:sld xmlns:a="http://schemas.openxmlformats.org/drawingml/2006/main" xmlns:r="http://schemas.openxmlformats.org/officeDocument/2006/relationships" xmlns:p="http://schemas.openxmlformats.org/presentationml/2006/main">
   <p:cSld>
     <p:spTree>
@@ -7310,7 +9738,7 @@
           <a:p>
             <a:fld id="{969E759D-A893-4B96-8B48-96EE547EBC41}" type="slidenum">
               <a:rPr lang="de-DE" smtClean="0"/>
-              <a:t>7</a:t>
+              <a:t>9</a:t>
             </a:fld>
             <a:endParaRPr lang="de-DE"/>
           </a:p>
@@ -7320,151 +9748,6 @@
     <p:extLst>
       <p:ext uri="{BB962C8B-B14F-4D97-AF65-F5344CB8AC3E}">
         <p14:creationId xmlns:p14="http://schemas.microsoft.com/office/powerpoint/2010/main" val="2351754147"/>
-      </p:ext>
-    </p:extLst>
-  </p:cSld>
-  <p:clrMapOvr>
-    <a:masterClrMapping/>
-  </p:clrMapOvr>
-</p:sld>
-</file>
-
-<file path=ppt/slides/slide8.xml><?xml version="1.0" encoding="utf-8"?>
-<p:sld xmlns:a="http://schemas.openxmlformats.org/drawingml/2006/main" xmlns:r="http://schemas.openxmlformats.org/officeDocument/2006/relationships" xmlns:p="http://schemas.openxmlformats.org/presentationml/2006/main">
-  <p:cSld>
-    <p:spTree>
-      <p:nvGrpSpPr>
-        <p:cNvPr id="1" name=""/>
-        <p:cNvGrpSpPr/>
-        <p:nvPr/>
-      </p:nvGrpSpPr>
-      <p:grpSpPr>
-        <a:xfrm>
-          <a:off x="0" y="0"/>
-          <a:ext cx="0" cy="0"/>
-          <a:chOff x="0" y="0"/>
-          <a:chExt cx="0" cy="0"/>
-        </a:xfrm>
-      </p:grpSpPr>
-      <p:sp>
-        <p:nvSpPr>
-          <p:cNvPr id="2" name="Title 1">
-            <a:extLst>
-              <a:ext uri="{FF2B5EF4-FFF2-40B4-BE49-F238E27FC236}">
-                <a16:creationId xmlns:a16="http://schemas.microsoft.com/office/drawing/2014/main" id="{4F828901-473D-4F55-B3D0-1DDC90FC313C}"/>
-              </a:ext>
-            </a:extLst>
-          </p:cNvPr>
-          <p:cNvSpPr>
-            <a:spLocks noGrp="1"/>
-          </p:cNvSpPr>
-          <p:nvPr>
-            <p:ph type="title"/>
-          </p:nvPr>
-        </p:nvSpPr>
-        <p:spPr/>
-        <p:txBody>
-          <a:bodyPr/>
-          <a:lstStyle/>
-          <a:p>
-            <a:r>
-              <a:rPr lang="en-NZ" dirty="0" err="1"/>
-              <a:t>Sicherheitspolitik</a:t>
-            </a:r>
-            <a:endParaRPr lang="en-NZ" dirty="0"/>
-          </a:p>
-        </p:txBody>
-      </p:sp>
-      <p:sp>
-        <p:nvSpPr>
-          <p:cNvPr id="3" name="Content Placeholder 2">
-            <a:extLst>
-              <a:ext uri="{FF2B5EF4-FFF2-40B4-BE49-F238E27FC236}">
-                <a16:creationId xmlns:a16="http://schemas.microsoft.com/office/drawing/2014/main" id="{DC7B49F1-50FA-4683-82E1-87A2FA356B2D}"/>
-              </a:ext>
-            </a:extLst>
-          </p:cNvPr>
-          <p:cNvSpPr>
-            <a:spLocks noGrp="1"/>
-          </p:cNvSpPr>
-          <p:nvPr>
-            <p:ph idx="1"/>
-          </p:nvPr>
-        </p:nvSpPr>
-        <p:spPr/>
-        <p:txBody>
-          <a:bodyPr/>
-          <a:lstStyle/>
-          <a:p>
-            <a:endParaRPr lang="en-NZ" dirty="0"/>
-          </a:p>
-        </p:txBody>
-      </p:sp>
-      <p:sp>
-        <p:nvSpPr>
-          <p:cNvPr id="4" name="Footer Placeholder 3">
-            <a:extLst>
-              <a:ext uri="{FF2B5EF4-FFF2-40B4-BE49-F238E27FC236}">
-                <a16:creationId xmlns:a16="http://schemas.microsoft.com/office/drawing/2014/main" id="{2E8E2603-0080-41CD-9B05-8DE698DD8FD8}"/>
-              </a:ext>
-            </a:extLst>
-          </p:cNvPr>
-          <p:cNvSpPr>
-            <a:spLocks noGrp="1"/>
-          </p:cNvSpPr>
-          <p:nvPr>
-            <p:ph type="ftr" sz="quarter" idx="11"/>
-          </p:nvPr>
-        </p:nvSpPr>
-        <p:spPr/>
-        <p:txBody>
-          <a:bodyPr/>
-          <a:lstStyle/>
-          <a:p>
-            <a:pPr algn="ctr">
-              <a:defRPr/>
-            </a:pPr>
-            <a:r>
-              <a:rPr lang="de-DE"/>
-              <a:t>WS19/20 – ISO 27001 - Hertel, Kossendey, Kühnert, Withöft</a:t>
-            </a:r>
-            <a:endParaRPr lang="de-DE" dirty="0"/>
-          </a:p>
-        </p:txBody>
-      </p:sp>
-      <p:sp>
-        <p:nvSpPr>
-          <p:cNvPr id="5" name="Slide Number Placeholder 4">
-            <a:extLst>
-              <a:ext uri="{FF2B5EF4-FFF2-40B4-BE49-F238E27FC236}">
-                <a16:creationId xmlns:a16="http://schemas.microsoft.com/office/drawing/2014/main" id="{91F757FB-F441-4E16-B965-06792864CB9C}"/>
-              </a:ext>
-            </a:extLst>
-          </p:cNvPr>
-          <p:cNvSpPr>
-            <a:spLocks noGrp="1"/>
-          </p:cNvSpPr>
-          <p:nvPr>
-            <p:ph type="sldNum" sz="quarter" idx="12"/>
-          </p:nvPr>
-        </p:nvSpPr>
-        <p:spPr/>
-        <p:txBody>
-          <a:bodyPr/>
-          <a:lstStyle/>
-          <a:p>
-            <a:fld id="{969E759D-A893-4B96-8B48-96EE547EBC41}" type="slidenum">
-              <a:rPr lang="de-DE" smtClean="0"/>
-              <a:t>8</a:t>
-            </a:fld>
-            <a:endParaRPr lang="de-DE"/>
-          </a:p>
-        </p:txBody>
-      </p:sp>
-    </p:spTree>
-    <p:extLst>
-      <p:ext uri="{BB962C8B-B14F-4D97-AF65-F5344CB8AC3E}">
-        <p14:creationId xmlns:p14="http://schemas.microsoft.com/office/powerpoint/2010/main" val="1597989395"/>
       </p:ext>
     </p:extLst>
   </p:cSld>

--- a/Moritz/merged.pptx
+++ b/Moritz/merged.pptx
@@ -5,7 +5,7 @@
     <p:sldMasterId id="2147483660" r:id="rId1"/>
   </p:sldMasterIdLst>
   <p:notesMasterIdLst>
-    <p:notesMasterId r:id="rId16"/>
+    <p:notesMasterId r:id="rId17"/>
   </p:notesMasterIdLst>
   <p:sldIdLst>
     <p:sldId id="257" r:id="rId2"/>
@@ -21,7 +21,8 @@
     <p:sldId id="292" r:id="rId12"/>
     <p:sldId id="290" r:id="rId13"/>
     <p:sldId id="291" r:id="rId14"/>
-    <p:sldId id="287" r:id="rId15"/>
+    <p:sldId id="293" r:id="rId15"/>
+    <p:sldId id="287" r:id="rId16"/>
   </p:sldIdLst>
   <p:sldSz cx="12192000" cy="6858000"/>
   <p:notesSz cx="6858000" cy="9144000"/>
@@ -210,7 +211,7 @@
           <a:p>
             <a:fld id="{45BAF5FC-A74A-4194-B400-41A03DD9C024}" type="datetimeFigureOut">
               <a:rPr lang="de-DE" smtClean="0"/>
-              <a:t>04.01.2020</a:t>
+              <a:t>05.01.2020</a:t>
             </a:fld>
             <a:endParaRPr lang="de-DE"/>
           </a:p>
@@ -627,7 +628,7 @@
           <a:p>
             <a:fld id="{45D0F98D-38D5-4C1A-A003-148E75DBF760}" type="datetime1">
               <a:rPr lang="de-DE" smtClean="0"/>
-              <a:t>04.01.2020</a:t>
+              <a:t>05.01.2020</a:t>
             </a:fld>
             <a:endParaRPr lang="de-DE"/>
           </a:p>
@@ -864,7 +865,7 @@
           <a:p>
             <a:fld id="{35EE94FD-1B66-443A-A78C-7063FFFB3DB5}" type="datetime1">
               <a:rPr lang="de-DE" smtClean="0"/>
-              <a:t>04.01.2020</a:t>
+              <a:t>05.01.2020</a:t>
             </a:fld>
             <a:endParaRPr lang="de-DE"/>
           </a:p>
@@ -1088,7 +1089,7 @@
           <a:p>
             <a:fld id="{846435C6-9F94-4AA4-B35A-39DE494D17EA}" type="datetime1">
               <a:rPr lang="de-DE" smtClean="0"/>
-              <a:t>04.01.2020</a:t>
+              <a:t>05.01.2020</a:t>
             </a:fld>
             <a:endParaRPr lang="de-DE"/>
           </a:p>
@@ -1302,7 +1303,7 @@
           <a:p>
             <a:fld id="{7BA378BF-52EB-4C5B-B6BB-996DFE0988BD}" type="datetime1">
               <a:rPr lang="de-DE" smtClean="0"/>
-              <a:t>04.01.2020</a:t>
+              <a:t>05.01.2020</a:t>
             </a:fld>
             <a:endParaRPr lang="de-DE"/>
           </a:p>
@@ -1610,7 +1611,7 @@
           <a:p>
             <a:fld id="{546325AB-2200-4FF3-AF2A-B172FFDDBDF4}" type="datetime1">
               <a:rPr lang="de-DE" smtClean="0"/>
-              <a:t>04.01.2020</a:t>
+              <a:t>05.01.2020</a:t>
             </a:fld>
             <a:endParaRPr lang="de-DE"/>
           </a:p>
@@ -1892,7 +1893,7 @@
           <a:p>
             <a:fld id="{4BD4E413-4B36-416A-99F8-917101FD3552}" type="datetime1">
               <a:rPr lang="de-DE" smtClean="0"/>
-              <a:t>04.01.2020</a:t>
+              <a:t>05.01.2020</a:t>
             </a:fld>
             <a:endParaRPr lang="de-DE"/>
           </a:p>
@@ -2321,7 +2322,7 @@
           <a:p>
             <a:fld id="{350CD5BB-2135-4C1C-9EB9-6B104A7F1852}" type="datetime1">
               <a:rPr lang="de-DE" smtClean="0"/>
-              <a:t>04.01.2020</a:t>
+              <a:t>05.01.2020</a:t>
             </a:fld>
             <a:endParaRPr lang="de-DE"/>
           </a:p>
@@ -2477,7 +2478,7 @@
           <a:p>
             <a:fld id="{5F8EFD36-9E63-4951-BEF9-F6B8ACF9848D}" type="datetime1">
               <a:rPr lang="de-DE" smtClean="0"/>
-              <a:t>04.01.2020</a:t>
+              <a:t>05.01.2020</a:t>
             </a:fld>
             <a:endParaRPr lang="de-DE"/>
           </a:p>
@@ -2604,7 +2605,7 @@
           <a:p>
             <a:fld id="{5809FACB-23B1-4A10-9D0A-328C6885745A}" type="datetime1">
               <a:rPr lang="de-DE" smtClean="0"/>
-              <a:t>04.01.2020</a:t>
+              <a:t>05.01.2020</a:t>
             </a:fld>
             <a:endParaRPr lang="de-DE"/>
           </a:p>
@@ -2931,7 +2932,7 @@
           <a:p>
             <a:fld id="{D34E0433-A910-4A2C-B27B-93E80F26180A}" type="datetime1">
               <a:rPr lang="de-DE" smtClean="0"/>
-              <a:t>04.01.2020</a:t>
+              <a:t>05.01.2020</a:t>
             </a:fld>
             <a:endParaRPr lang="de-DE"/>
           </a:p>
@@ -3234,7 +3235,7 @@
           <a:p>
             <a:fld id="{27D0816D-89A7-4D5C-8256-1B20355E25D9}" type="datetime1">
               <a:rPr lang="de-DE" smtClean="0"/>
-              <a:t>04.01.2020</a:t>
+              <a:t>05.01.2020</a:t>
             </a:fld>
             <a:endParaRPr lang="de-DE"/>
           </a:p>
@@ -3480,7 +3481,7 @@
           <a:p>
             <a:fld id="{96A0F86B-E49E-4FBD-A866-1ABC19B2F8A7}" type="datetime1">
               <a:rPr lang="de-DE" smtClean="0"/>
-              <a:t>04.01.2020</a:t>
+              <a:t>05.01.2020</a:t>
             </a:fld>
             <a:endParaRPr lang="de-DE"/>
           </a:p>
@@ -5224,7 +5225,293 @@
           <a:bodyPr/>
           <a:lstStyle/>
           <a:p>
-            <a:endParaRPr lang="en-NZ"/>
+            <a:r>
+              <a:rPr lang="en-NZ" dirty="0" err="1"/>
+              <a:t>Risiko</a:t>
+            </a:r>
+            <a:r>
+              <a:rPr lang="en-NZ" dirty="0"/>
+              <a:t> </a:t>
+            </a:r>
+            <a:r>
+              <a:rPr lang="en-NZ" dirty="0" err="1"/>
+              <a:t>wenn</a:t>
+            </a:r>
+            <a:r>
+              <a:rPr lang="en-NZ" dirty="0"/>
+              <a:t> </a:t>
+            </a:r>
+            <a:r>
+              <a:rPr lang="en-NZ" dirty="0" err="1"/>
+              <a:t>Lieferant</a:t>
+            </a:r>
+            <a:r>
+              <a:rPr lang="en-NZ" dirty="0"/>
+              <a:t> </a:t>
+            </a:r>
+            <a:r>
+              <a:rPr lang="en-NZ" dirty="0" err="1"/>
+              <a:t>mächtiger</a:t>
+            </a:r>
+            <a:r>
+              <a:rPr lang="en-NZ" dirty="0"/>
+              <a:t> </a:t>
+            </a:r>
+            <a:r>
+              <a:rPr lang="en-NZ" dirty="0" err="1"/>
+              <a:t>ist</a:t>
+            </a:r>
+            <a:r>
+              <a:rPr lang="en-NZ" dirty="0"/>
+              <a:t> </a:t>
+            </a:r>
+            <a:r>
+              <a:rPr lang="en-NZ" dirty="0" err="1"/>
+              <a:t>als</a:t>
+            </a:r>
+            <a:r>
+              <a:rPr lang="en-NZ" dirty="0"/>
+              <a:t> Kunde</a:t>
+            </a:r>
+          </a:p>
+          <a:p>
+            <a:pPr lvl="1"/>
+            <a:r>
+              <a:rPr lang="en-NZ" dirty="0" err="1"/>
+              <a:t>Einfluss</a:t>
+            </a:r>
+            <a:r>
+              <a:rPr lang="en-NZ" dirty="0"/>
+              <a:t> je nach </a:t>
+            </a:r>
+            <a:r>
+              <a:rPr lang="en-NZ" dirty="0" err="1"/>
+              <a:t>Größenverhältnis</a:t>
+            </a:r>
+            <a:r>
+              <a:rPr lang="en-NZ" dirty="0"/>
+              <a:t> </a:t>
+            </a:r>
+            <a:r>
+              <a:rPr lang="en-NZ" dirty="0" err="1"/>
+              <a:t>unterschiedlich</a:t>
+            </a:r>
+            <a:endParaRPr lang="en-NZ" dirty="0"/>
+          </a:p>
+          <a:p>
+            <a:r>
+              <a:rPr lang="en-NZ" dirty="0" err="1"/>
+              <a:t>Lieferant</a:t>
+            </a:r>
+            <a:r>
+              <a:rPr lang="en-NZ" dirty="0"/>
+              <a:t> </a:t>
+            </a:r>
+            <a:r>
+              <a:rPr lang="en-NZ" dirty="0" err="1"/>
+              <a:t>sollte</a:t>
+            </a:r>
+            <a:r>
+              <a:rPr lang="en-NZ" dirty="0"/>
+              <a:t> </a:t>
+            </a:r>
+            <a:r>
+              <a:rPr lang="en-NZ" dirty="0" err="1"/>
+              <a:t>sich</a:t>
+            </a:r>
+            <a:r>
+              <a:rPr lang="en-NZ" dirty="0"/>
+              <a:t> </a:t>
+            </a:r>
+            <a:r>
+              <a:rPr lang="en-NZ" dirty="0" err="1"/>
+              <a:t>ebenfalls</a:t>
+            </a:r>
+            <a:r>
+              <a:rPr lang="en-NZ" dirty="0"/>
+              <a:t> an ISO 27001 </a:t>
+            </a:r>
+            <a:r>
+              <a:rPr lang="en-NZ" dirty="0" err="1"/>
+              <a:t>halten</a:t>
+            </a:r>
+            <a:endParaRPr lang="en-NZ" dirty="0"/>
+          </a:p>
+          <a:p>
+            <a:r>
+              <a:rPr lang="en-NZ" dirty="0" err="1"/>
+              <a:t>Lieferanten</a:t>
+            </a:r>
+            <a:r>
+              <a:rPr lang="en-NZ" dirty="0"/>
+              <a:t> nach </a:t>
+            </a:r>
+            <a:r>
+              <a:rPr lang="en-NZ" dirty="0" err="1"/>
+              <a:t>Risiko</a:t>
+            </a:r>
+            <a:r>
+              <a:rPr lang="en-NZ" dirty="0"/>
+              <a:t> und </a:t>
+            </a:r>
+            <a:r>
+              <a:rPr lang="en-NZ" dirty="0" err="1"/>
+              <a:t>Wichtigkeit</a:t>
+            </a:r>
+            <a:r>
+              <a:rPr lang="en-NZ" dirty="0"/>
+              <a:t> </a:t>
+            </a:r>
+            <a:r>
+              <a:rPr lang="en-NZ" dirty="0" err="1"/>
+              <a:t>einstufen</a:t>
+            </a:r>
+            <a:endParaRPr lang="en-NZ" dirty="0"/>
+          </a:p>
+          <a:p>
+            <a:r>
+              <a:rPr lang="en-NZ" dirty="0" err="1"/>
+              <a:t>Lieferanten</a:t>
+            </a:r>
+            <a:r>
+              <a:rPr lang="en-NZ" dirty="0"/>
+              <a:t> </a:t>
+            </a:r>
+            <a:r>
+              <a:rPr lang="en-NZ" dirty="0" err="1"/>
+              <a:t>regelmäßig</a:t>
+            </a:r>
+            <a:r>
+              <a:rPr lang="en-NZ" dirty="0"/>
+              <a:t> nach </a:t>
+            </a:r>
+            <a:r>
+              <a:rPr lang="en-NZ" dirty="0" err="1"/>
+              <a:t>Leistung</a:t>
+            </a:r>
+            <a:r>
+              <a:rPr lang="en-NZ" dirty="0"/>
+              <a:t> </a:t>
+            </a:r>
+            <a:r>
+              <a:rPr lang="en-NZ" dirty="0" err="1"/>
+              <a:t>bewerten</a:t>
+            </a:r>
+            <a:endParaRPr lang="en-NZ" dirty="0"/>
+          </a:p>
+          <a:p>
+            <a:r>
+              <a:rPr lang="en-NZ" dirty="0" err="1"/>
+              <a:t>Änderungen</a:t>
+            </a:r>
+            <a:r>
+              <a:rPr lang="en-NZ" dirty="0"/>
+              <a:t> </a:t>
+            </a:r>
+            <a:r>
+              <a:rPr lang="en-NZ" dirty="0" err="1"/>
+              <a:t>im</a:t>
+            </a:r>
+            <a:r>
+              <a:rPr lang="en-NZ" dirty="0"/>
+              <a:t> </a:t>
+            </a:r>
+            <a:r>
+              <a:rPr lang="en-NZ" dirty="0" err="1"/>
+              <a:t>Umfeld</a:t>
+            </a:r>
+            <a:r>
+              <a:rPr lang="en-NZ" dirty="0"/>
+              <a:t> </a:t>
+            </a:r>
+            <a:r>
+              <a:rPr lang="en-NZ" dirty="0" err="1"/>
+              <a:t>auch</a:t>
+            </a:r>
+            <a:r>
+              <a:rPr lang="en-NZ" dirty="0"/>
+              <a:t> auf </a:t>
+            </a:r>
+            <a:r>
+              <a:rPr lang="en-NZ" dirty="0" err="1"/>
+              <a:t>Lieferanten</a:t>
+            </a:r>
+            <a:r>
+              <a:rPr lang="en-NZ" dirty="0"/>
+              <a:t> </a:t>
+            </a:r>
+            <a:r>
+              <a:rPr lang="en-NZ" dirty="0" err="1"/>
+              <a:t>beziehen</a:t>
+            </a:r>
+            <a:endParaRPr lang="en-NZ" dirty="0"/>
+          </a:p>
+          <a:p>
+            <a:pPr lvl="1"/>
+            <a:r>
+              <a:rPr lang="en-NZ" dirty="0" err="1"/>
+              <a:t>Änderungen</a:t>
+            </a:r>
+            <a:r>
+              <a:rPr lang="en-NZ" dirty="0"/>
+              <a:t> </a:t>
+            </a:r>
+            <a:r>
+              <a:rPr lang="en-NZ" dirty="0" err="1"/>
+              <a:t>mögen</a:t>
+            </a:r>
+            <a:r>
+              <a:rPr lang="en-NZ" dirty="0"/>
+              <a:t> </a:t>
+            </a:r>
+            <a:r>
+              <a:rPr lang="en-NZ" dirty="0" err="1"/>
+              <a:t>nicht</a:t>
+            </a:r>
+            <a:r>
+              <a:rPr lang="en-NZ" dirty="0"/>
+              <a:t> </a:t>
+            </a:r>
+            <a:r>
+              <a:rPr lang="en-NZ" dirty="0" err="1"/>
+              <a:t>eigenes</a:t>
+            </a:r>
+            <a:r>
+              <a:rPr lang="en-NZ" dirty="0"/>
+              <a:t> </a:t>
+            </a:r>
+            <a:r>
+              <a:rPr lang="en-NZ" dirty="0" err="1"/>
+              <a:t>Unternehmen</a:t>
+            </a:r>
+            <a:r>
+              <a:rPr lang="en-NZ" dirty="0"/>
+              <a:t> </a:t>
+            </a:r>
+            <a:r>
+              <a:rPr lang="en-NZ" dirty="0" err="1"/>
+              <a:t>betreffen</a:t>
+            </a:r>
+            <a:r>
+              <a:rPr lang="en-NZ" dirty="0"/>
+              <a:t>, </a:t>
+            </a:r>
+            <a:r>
+              <a:rPr lang="en-NZ" dirty="0" err="1"/>
+              <a:t>aber</a:t>
+            </a:r>
+            <a:r>
+              <a:rPr lang="en-NZ" dirty="0"/>
+              <a:t> </a:t>
+            </a:r>
+            <a:r>
+              <a:rPr lang="en-NZ" dirty="0" err="1"/>
+              <a:t>Lieferanten</a:t>
+            </a:r>
+            <a:endParaRPr lang="en-NZ" dirty="0"/>
+          </a:p>
+          <a:p>
+            <a:endParaRPr lang="en-NZ" dirty="0"/>
           </a:p>
         </p:txBody>
       </p:sp>
@@ -5324,6 +5611,194 @@
           <p:cNvPr id="2" name="Title 1">
             <a:extLst>
               <a:ext uri="{FF2B5EF4-FFF2-40B4-BE49-F238E27FC236}">
+                <a16:creationId xmlns:a16="http://schemas.microsoft.com/office/drawing/2014/main" id="{2B4FBB07-BF99-4884-A815-7EEB42492424}"/>
+              </a:ext>
+            </a:extLst>
+          </p:cNvPr>
+          <p:cNvSpPr>
+            <a:spLocks noGrp="1"/>
+          </p:cNvSpPr>
+          <p:nvPr>
+            <p:ph type="title"/>
+          </p:nvPr>
+        </p:nvSpPr>
+        <p:spPr/>
+        <p:txBody>
+          <a:bodyPr>
+            <a:normAutofit/>
+          </a:bodyPr>
+          <a:lstStyle/>
+          <a:p>
+            <a:pPr algn="ctr"/>
+            <a:r>
+              <a:rPr lang="en-NZ" sz="4300" dirty="0"/>
+              <a:t>Wie </a:t>
+            </a:r>
+            <a:r>
+              <a:rPr lang="en-NZ" sz="4300" dirty="0" err="1"/>
+              <a:t>sind</a:t>
+            </a:r>
+            <a:r>
+              <a:rPr lang="en-NZ" sz="4300" dirty="0"/>
+              <a:t> die Controls nun </a:t>
+            </a:r>
+            <a:r>
+              <a:rPr lang="en-NZ" sz="4300" dirty="0" err="1"/>
+              <a:t>zu</a:t>
+            </a:r>
+            <a:r>
+              <a:rPr lang="en-NZ" sz="4300" dirty="0"/>
+              <a:t> </a:t>
+            </a:r>
+            <a:r>
+              <a:rPr lang="en-NZ" sz="4300" dirty="0" err="1"/>
+              <a:t>implementieren</a:t>
+            </a:r>
+            <a:r>
+              <a:rPr lang="en-NZ" sz="4300" dirty="0"/>
+              <a:t>?</a:t>
+            </a:r>
+          </a:p>
+        </p:txBody>
+      </p:sp>
+      <p:sp>
+        <p:nvSpPr>
+          <p:cNvPr id="3" name="Content Placeholder 2">
+            <a:extLst>
+              <a:ext uri="{FF2B5EF4-FFF2-40B4-BE49-F238E27FC236}">
+                <a16:creationId xmlns:a16="http://schemas.microsoft.com/office/drawing/2014/main" id="{8F4F447F-6980-4AD6-9912-706BF9203BAF}"/>
+              </a:ext>
+            </a:extLst>
+          </p:cNvPr>
+          <p:cNvSpPr>
+            <a:spLocks noGrp="1"/>
+          </p:cNvSpPr>
+          <p:nvPr>
+            <p:ph idx="1"/>
+          </p:nvPr>
+        </p:nvSpPr>
+        <p:spPr>
+          <a:xfrm>
+            <a:off x="838200" y="3159475"/>
+            <a:ext cx="10515600" cy="665905"/>
+          </a:xfrm>
+        </p:spPr>
+        <p:txBody>
+          <a:bodyPr>
+            <a:normAutofit/>
+          </a:bodyPr>
+          <a:lstStyle/>
+          <a:p>
+            <a:pPr marL="0" indent="0" algn="ctr">
+              <a:buNone/>
+            </a:pPr>
+            <a:r>
+              <a:rPr lang="en-NZ" sz="4000" dirty="0" err="1"/>
+              <a:t>Ausführungen</a:t>
+            </a:r>
+            <a:r>
+              <a:rPr lang="en-NZ" sz="4000" dirty="0"/>
+              <a:t> in ISO 27002</a:t>
+            </a:r>
+          </a:p>
+        </p:txBody>
+      </p:sp>
+      <p:sp>
+        <p:nvSpPr>
+          <p:cNvPr id="4" name="Footer Placeholder 3">
+            <a:extLst>
+              <a:ext uri="{FF2B5EF4-FFF2-40B4-BE49-F238E27FC236}">
+                <a16:creationId xmlns:a16="http://schemas.microsoft.com/office/drawing/2014/main" id="{7BE570B9-C416-42D2-A4D0-261FA0BC5A1C}"/>
+              </a:ext>
+            </a:extLst>
+          </p:cNvPr>
+          <p:cNvSpPr>
+            <a:spLocks noGrp="1"/>
+          </p:cNvSpPr>
+          <p:nvPr>
+            <p:ph type="ftr" sz="quarter" idx="11"/>
+          </p:nvPr>
+        </p:nvSpPr>
+        <p:spPr/>
+        <p:txBody>
+          <a:bodyPr/>
+          <a:lstStyle/>
+          <a:p>
+            <a:pPr algn="ctr">
+              <a:defRPr/>
+            </a:pPr>
+            <a:r>
+              <a:rPr lang="de-DE"/>
+              <a:t>WS19/20 – ISO 27001 - Hertel, Kossendey, Kühnert, Withöft</a:t>
+            </a:r>
+            <a:endParaRPr lang="de-DE" dirty="0"/>
+          </a:p>
+        </p:txBody>
+      </p:sp>
+      <p:sp>
+        <p:nvSpPr>
+          <p:cNvPr id="5" name="Slide Number Placeholder 4">
+            <a:extLst>
+              <a:ext uri="{FF2B5EF4-FFF2-40B4-BE49-F238E27FC236}">
+                <a16:creationId xmlns:a16="http://schemas.microsoft.com/office/drawing/2014/main" id="{7A89649C-80CD-4BB3-9C40-FC74A4742382}"/>
+              </a:ext>
+            </a:extLst>
+          </p:cNvPr>
+          <p:cNvSpPr>
+            <a:spLocks noGrp="1"/>
+          </p:cNvSpPr>
+          <p:nvPr>
+            <p:ph type="sldNum" sz="quarter" idx="12"/>
+          </p:nvPr>
+        </p:nvSpPr>
+        <p:spPr/>
+        <p:txBody>
+          <a:bodyPr/>
+          <a:lstStyle/>
+          <a:p>
+            <a:fld id="{969E759D-A893-4B96-8B48-96EE547EBC41}" type="slidenum">
+              <a:rPr lang="de-DE" smtClean="0"/>
+              <a:t>14</a:t>
+            </a:fld>
+            <a:endParaRPr lang="de-DE"/>
+          </a:p>
+        </p:txBody>
+      </p:sp>
+    </p:spTree>
+    <p:extLst>
+      <p:ext uri="{BB962C8B-B14F-4D97-AF65-F5344CB8AC3E}">
+        <p14:creationId xmlns:p14="http://schemas.microsoft.com/office/powerpoint/2010/main" val="490816327"/>
+      </p:ext>
+    </p:extLst>
+  </p:cSld>
+  <p:clrMapOvr>
+    <a:masterClrMapping/>
+  </p:clrMapOvr>
+</p:sld>
+</file>
+
+<file path=ppt/slides/slide15.xml><?xml version="1.0" encoding="utf-8"?>
+<p:sld xmlns:a="http://schemas.openxmlformats.org/drawingml/2006/main" xmlns:r="http://schemas.openxmlformats.org/officeDocument/2006/relationships" xmlns:p="http://schemas.openxmlformats.org/presentationml/2006/main">
+  <p:cSld>
+    <p:spTree>
+      <p:nvGrpSpPr>
+        <p:cNvPr id="1" name=""/>
+        <p:cNvGrpSpPr/>
+        <p:nvPr/>
+      </p:nvGrpSpPr>
+      <p:grpSpPr>
+        <a:xfrm>
+          <a:off x="0" y="0"/>
+          <a:ext cx="0" cy="0"/>
+          <a:chOff x="0" y="0"/>
+          <a:chExt cx="0" cy="0"/>
+        </a:xfrm>
+      </p:grpSpPr>
+      <p:sp>
+        <p:nvSpPr>
+          <p:cNvPr id="2" name="Title 1">
+            <a:extLst>
+              <a:ext uri="{FF2B5EF4-FFF2-40B4-BE49-F238E27FC236}">
                 <a16:creationId xmlns:a16="http://schemas.microsoft.com/office/drawing/2014/main" id="{64E21047-4F93-479F-8659-0EE7B788B6DD}"/>
               </a:ext>
             </a:extLst>
@@ -5454,7 +5929,7 @@
           <a:p>
             <a:fld id="{969E759D-A893-4B96-8B48-96EE547EBC41}" type="slidenum">
               <a:rPr lang="de-DE" smtClean="0"/>
-              <a:t>14</a:t>
+              <a:t>15</a:t>
             </a:fld>
             <a:endParaRPr lang="de-DE"/>
           </a:p>
@@ -5730,7 +6205,7 @@
             </a:r>
             <a:r>
               <a:rPr lang="en-NZ" sz="1700" dirty="0"/>
-              <a:t> die ISO 27001? (Moritz)</a:t>
+              <a:t> die ISO 27001?</a:t>
             </a:r>
           </a:p>
           <a:p>
@@ -5748,10 +6223,7 @@
               <a:rPr lang="en-NZ" sz="1700" dirty="0" err="1"/>
               <a:t>Geschichte</a:t>
             </a:r>
-            <a:r>
-              <a:rPr lang="en-NZ" sz="1700" dirty="0"/>
-              <a:t> (Marcel)</a:t>
-            </a:r>
+            <a:endParaRPr lang="en-NZ" sz="1700" dirty="0"/>
           </a:p>
           <a:p>
             <a:r>

--- a/Moritz/merged.pptx
+++ b/Moritz/merged.pptx
@@ -5077,10 +5077,349 @@
         </p:nvSpPr>
         <p:spPr/>
         <p:txBody>
-          <a:bodyPr/>
+          <a:bodyPr>
+            <a:normAutofit fontScale="92500" lnSpcReduction="10000"/>
+          </a:bodyPr>
           <a:lstStyle/>
           <a:p>
-            <a:endParaRPr lang="en-NZ"/>
+            <a:r>
+              <a:rPr lang="en-NZ" dirty="0" err="1"/>
+              <a:t>Netzwerke</a:t>
+            </a:r>
+            <a:r>
+              <a:rPr lang="en-NZ" dirty="0"/>
+              <a:t> </a:t>
+            </a:r>
+            <a:r>
+              <a:rPr lang="en-NZ" dirty="0" err="1"/>
+              <a:t>müssen</a:t>
+            </a:r>
+            <a:r>
+              <a:rPr lang="en-NZ" dirty="0"/>
+              <a:t> </a:t>
+            </a:r>
+            <a:r>
+              <a:rPr lang="en-NZ" dirty="0" err="1"/>
+              <a:t>gesteuert</a:t>
+            </a:r>
+            <a:r>
+              <a:rPr lang="en-NZ" dirty="0"/>
+              <a:t> und </a:t>
+            </a:r>
+            <a:r>
+              <a:rPr lang="en-NZ" dirty="0" err="1"/>
+              <a:t>kontrolliert</a:t>
+            </a:r>
+            <a:r>
+              <a:rPr lang="en-NZ" dirty="0"/>
+              <a:t> </a:t>
+            </a:r>
+            <a:r>
+              <a:rPr lang="en-NZ" dirty="0" err="1"/>
+              <a:t>werden</a:t>
+            </a:r>
+            <a:endParaRPr lang="en-NZ" dirty="0"/>
+          </a:p>
+          <a:p>
+            <a:r>
+              <a:rPr lang="en-NZ" dirty="0" err="1"/>
+              <a:t>Verbindungen</a:t>
+            </a:r>
+            <a:r>
+              <a:rPr lang="en-NZ" dirty="0"/>
+              <a:t> </a:t>
+            </a:r>
+            <a:r>
+              <a:rPr lang="en-NZ" dirty="0" err="1"/>
+              <a:t>müssen</a:t>
+            </a:r>
+            <a:r>
+              <a:rPr lang="en-NZ" dirty="0"/>
+              <a:t> </a:t>
+            </a:r>
+            <a:r>
+              <a:rPr lang="en-NZ" dirty="0" err="1"/>
+              <a:t>verifiziert</a:t>
+            </a:r>
+            <a:r>
+              <a:rPr lang="en-NZ" dirty="0"/>
+              <a:t> </a:t>
+            </a:r>
+            <a:r>
+              <a:rPr lang="en-NZ" dirty="0" err="1"/>
+              <a:t>werden</a:t>
+            </a:r>
+            <a:endParaRPr lang="en-NZ" dirty="0"/>
+          </a:p>
+          <a:p>
+            <a:pPr lvl="1"/>
+            <a:r>
+              <a:rPr lang="en-NZ" dirty="0" err="1"/>
+              <a:t>Werden</a:t>
+            </a:r>
+            <a:r>
+              <a:rPr lang="en-NZ" dirty="0"/>
+              <a:t> oft </a:t>
+            </a:r>
+            <a:r>
+              <a:rPr lang="en-NZ" dirty="0" err="1"/>
+              <a:t>für</a:t>
+            </a:r>
+            <a:r>
+              <a:rPr lang="en-NZ" dirty="0"/>
+              <a:t> </a:t>
+            </a:r>
+            <a:r>
+              <a:rPr lang="en-NZ" dirty="0" err="1"/>
+              <a:t>Angriffe</a:t>
+            </a:r>
+            <a:r>
+              <a:rPr lang="en-NZ" dirty="0"/>
+              <a:t> </a:t>
+            </a:r>
+            <a:r>
+              <a:rPr lang="en-NZ" dirty="0" err="1"/>
+              <a:t>genutzt</a:t>
+            </a:r>
+            <a:endParaRPr lang="en-NZ" dirty="0"/>
+          </a:p>
+          <a:p>
+            <a:r>
+              <a:rPr lang="en-NZ" dirty="0" err="1"/>
+              <a:t>Verschiedene</a:t>
+            </a:r>
+            <a:r>
+              <a:rPr lang="en-NZ" dirty="0"/>
+              <a:t> </a:t>
+            </a:r>
+            <a:r>
+              <a:rPr lang="en-NZ" dirty="0" err="1"/>
+              <a:t>Aufgaben</a:t>
+            </a:r>
+            <a:r>
+              <a:rPr lang="en-NZ" dirty="0"/>
+              <a:t> auf </a:t>
+            </a:r>
+            <a:r>
+              <a:rPr lang="en-NZ" dirty="0" err="1"/>
+              <a:t>verschiedene</a:t>
+            </a:r>
+            <a:r>
+              <a:rPr lang="en-NZ" dirty="0"/>
+              <a:t> </a:t>
+            </a:r>
+            <a:r>
+              <a:rPr lang="en-NZ" dirty="0" err="1"/>
+              <a:t>Netzwerke</a:t>
+            </a:r>
+            <a:r>
+              <a:rPr lang="en-NZ" dirty="0"/>
+              <a:t> </a:t>
+            </a:r>
+            <a:r>
+              <a:rPr lang="en-NZ" dirty="0" err="1"/>
+              <a:t>aufteilen</a:t>
+            </a:r>
+            <a:endParaRPr lang="en-NZ" dirty="0"/>
+          </a:p>
+          <a:p>
+            <a:r>
+              <a:rPr lang="en-NZ" dirty="0"/>
+              <a:t>Transfer von </a:t>
+            </a:r>
+            <a:r>
+              <a:rPr lang="en-NZ" dirty="0" err="1"/>
+              <a:t>Daten</a:t>
+            </a:r>
+            <a:r>
+              <a:rPr lang="en-NZ" dirty="0"/>
+              <a:t> muss </a:t>
+            </a:r>
+            <a:r>
+              <a:rPr lang="en-NZ" dirty="0" err="1"/>
+              <a:t>sicher</a:t>
+            </a:r>
+            <a:r>
+              <a:rPr lang="en-NZ" dirty="0"/>
+              <a:t> </a:t>
+            </a:r>
+            <a:r>
+              <a:rPr lang="en-NZ" dirty="0" err="1"/>
+              <a:t>erfolgen</a:t>
+            </a:r>
+            <a:endParaRPr lang="en-NZ" dirty="0"/>
+          </a:p>
+          <a:p>
+            <a:pPr lvl="1"/>
+            <a:r>
+              <a:rPr lang="en-NZ" dirty="0"/>
+              <a:t>Firewall, </a:t>
+            </a:r>
+            <a:r>
+              <a:rPr lang="en-NZ" dirty="0" err="1"/>
+              <a:t>Identifizierungsstandards</a:t>
+            </a:r>
+            <a:r>
+              <a:rPr lang="en-NZ" dirty="0"/>
+              <a:t>, </a:t>
+            </a:r>
+            <a:r>
+              <a:rPr lang="en-NZ" dirty="0" err="1"/>
+              <a:t>Kryptografie</a:t>
+            </a:r>
+            <a:endParaRPr lang="en-NZ" dirty="0"/>
+          </a:p>
+          <a:p>
+            <a:pPr lvl="1"/>
+            <a:r>
+              <a:rPr lang="en-NZ" b="1" dirty="0" err="1"/>
+              <a:t>Jede</a:t>
+            </a:r>
+            <a:r>
+              <a:rPr lang="en-NZ" b="1" dirty="0"/>
+              <a:t> </a:t>
+            </a:r>
+            <a:r>
+              <a:rPr lang="en-NZ" dirty="0" err="1"/>
+              <a:t>übermittelte</a:t>
+            </a:r>
+            <a:r>
+              <a:rPr lang="en-NZ" dirty="0"/>
+              <a:t> Information muss </a:t>
+            </a:r>
+            <a:r>
+              <a:rPr lang="en-NZ" dirty="0" err="1"/>
+              <a:t>gesichert</a:t>
+            </a:r>
+            <a:r>
+              <a:rPr lang="en-NZ" dirty="0"/>
+              <a:t> </a:t>
+            </a:r>
+            <a:r>
+              <a:rPr lang="en-NZ" dirty="0" err="1"/>
+              <a:t>werden</a:t>
+            </a:r>
+            <a:endParaRPr lang="en-NZ" dirty="0"/>
+          </a:p>
+          <a:p>
+            <a:r>
+              <a:rPr lang="en-NZ" b="1" dirty="0" err="1"/>
+              <a:t>Alle</a:t>
+            </a:r>
+            <a:r>
+              <a:rPr lang="en-NZ" b="1" dirty="0"/>
+              <a:t> </a:t>
+            </a:r>
+            <a:r>
+              <a:rPr lang="en-NZ" dirty="0" err="1"/>
+              <a:t>Kommunikationsarten</a:t>
+            </a:r>
+            <a:r>
+              <a:rPr lang="en-NZ" dirty="0"/>
+              <a:t> </a:t>
+            </a:r>
+            <a:r>
+              <a:rPr lang="en-NZ" dirty="0" err="1"/>
+              <a:t>sind</a:t>
+            </a:r>
+            <a:r>
+              <a:rPr lang="en-NZ" dirty="0"/>
+              <a:t> </a:t>
+            </a:r>
+            <a:r>
+              <a:rPr lang="en-NZ" dirty="0" err="1"/>
+              <a:t>zu</a:t>
+            </a:r>
+            <a:r>
+              <a:rPr lang="en-NZ" dirty="0"/>
+              <a:t> </a:t>
+            </a:r>
+            <a:r>
+              <a:rPr lang="en-NZ" dirty="0" err="1"/>
+              <a:t>berücksichtigen</a:t>
+            </a:r>
+            <a:endParaRPr lang="en-NZ" dirty="0"/>
+          </a:p>
+          <a:p>
+            <a:r>
+              <a:rPr lang="en-NZ" dirty="0"/>
+              <a:t>Non-Disclosure Agreement </a:t>
+            </a:r>
+            <a:r>
+              <a:rPr lang="en-NZ" dirty="0" err="1"/>
+              <a:t>treffen</a:t>
+            </a:r>
+            <a:endParaRPr lang="en-NZ" dirty="0"/>
+          </a:p>
+          <a:p>
+            <a:pPr lvl="1"/>
+            <a:r>
+              <a:rPr lang="en-NZ" dirty="0" err="1"/>
+              <a:t>Vertrag</a:t>
+            </a:r>
+            <a:r>
+              <a:rPr lang="en-NZ" dirty="0"/>
+              <a:t> </a:t>
+            </a:r>
+            <a:r>
+              <a:rPr lang="en-NZ" dirty="0" err="1"/>
+              <a:t>zwischen</a:t>
+            </a:r>
+            <a:r>
+              <a:rPr lang="en-NZ" dirty="0"/>
+              <a:t> </a:t>
+            </a:r>
+            <a:r>
+              <a:rPr lang="en-NZ" dirty="0" err="1"/>
+              <a:t>zwei</a:t>
+            </a:r>
+            <a:r>
+              <a:rPr lang="en-NZ" dirty="0"/>
+              <a:t> </a:t>
+            </a:r>
+            <a:r>
+              <a:rPr lang="en-NZ" dirty="0" err="1"/>
+              <a:t>Parteien</a:t>
+            </a:r>
+            <a:r>
+              <a:rPr lang="en-NZ" dirty="0"/>
+              <a:t>, der das </a:t>
+            </a:r>
+            <a:r>
+              <a:rPr lang="en-NZ" dirty="0" err="1"/>
+              <a:t>Stillschweigen</a:t>
+            </a:r>
+            <a:r>
+              <a:rPr lang="en-NZ" dirty="0"/>
+              <a:t> </a:t>
+            </a:r>
+            <a:r>
+              <a:rPr lang="en-NZ" dirty="0" err="1"/>
+              <a:t>über</a:t>
+            </a:r>
+            <a:r>
+              <a:rPr lang="en-NZ" dirty="0"/>
+              <a:t> </a:t>
+            </a:r>
+            <a:r>
+              <a:rPr lang="en-NZ" dirty="0" err="1"/>
+              <a:t>Informationen</a:t>
+            </a:r>
+            <a:r>
+              <a:rPr lang="en-NZ" dirty="0"/>
+              <a:t> </a:t>
+            </a:r>
+            <a:r>
+              <a:rPr lang="en-NZ" dirty="0" err="1"/>
+              <a:t>beschreibt</a:t>
+            </a:r>
+            <a:endParaRPr lang="en-NZ" dirty="0"/>
+          </a:p>
+          <a:p>
+            <a:endParaRPr lang="en-NZ" dirty="0"/>
+          </a:p>
+          <a:p>
+            <a:endParaRPr lang="en-NZ" dirty="0"/>
           </a:p>
         </p:txBody>
       </p:sp>
